--- a/drawings.pptx
+++ b/drawings.pptx
@@ -6,7 +6,12 @@
   </p:sldMasterIdLst>
   <p:sldIdLst>
     <p:sldId id="256" r:id="rId2"/>
-    <p:sldId id="257" r:id="rId3"/>
+    <p:sldId id="258" r:id="rId3"/>
+    <p:sldId id="259" r:id="rId4"/>
+    <p:sldId id="257" r:id="rId5"/>
+    <p:sldId id="260" r:id="rId6"/>
+    <p:sldId id="261" r:id="rId7"/>
+    <p:sldId id="262" r:id="rId8"/>
   </p:sldIdLst>
   <p:sldSz cx="12192000" cy="6858000"/>
   <p:notesSz cx="6858000" cy="9144000"/>
@@ -105,6 +110,11 @@
       </a:defRPr>
     </a:lvl9pPr>
   </p:defaultTextStyle>
+  <p:extLst>
+    <p:ext uri="{EFAFB233-063F-42B5-8137-9DF3F51BA10A}">
+      <p15:sldGuideLst xmlns:p15="http://schemas.microsoft.com/office/powerpoint/2012/main"/>
+    </p:ext>
+  </p:extLst>
 </p:presentation>
 </file>
 
@@ -255,7 +265,7 @@
           <a:p>
             <a:fld id="{48C4A096-5471-43D9-98D2-6A6E9C36524C}" type="datetimeFigureOut">
               <a:rPr lang="zh-CN" altLang="en-US" smtClean="0"/>
-              <a:t>2025/1/6</a:t>
+              <a:t>2025/1/8</a:t>
             </a:fld>
             <a:endParaRPr lang="zh-CN" altLang="en-US"/>
           </a:p>
@@ -453,7 +463,7 @@
           <a:p>
             <a:fld id="{48C4A096-5471-43D9-98D2-6A6E9C36524C}" type="datetimeFigureOut">
               <a:rPr lang="zh-CN" altLang="en-US" smtClean="0"/>
-              <a:t>2025/1/6</a:t>
+              <a:t>2025/1/8</a:t>
             </a:fld>
             <a:endParaRPr lang="zh-CN" altLang="en-US"/>
           </a:p>
@@ -661,7 +671,7 @@
           <a:p>
             <a:fld id="{48C4A096-5471-43D9-98D2-6A6E9C36524C}" type="datetimeFigureOut">
               <a:rPr lang="zh-CN" altLang="en-US" smtClean="0"/>
-              <a:t>2025/1/6</a:t>
+              <a:t>2025/1/8</a:t>
             </a:fld>
             <a:endParaRPr lang="zh-CN" altLang="en-US"/>
           </a:p>
@@ -859,7 +869,7 @@
           <a:p>
             <a:fld id="{48C4A096-5471-43D9-98D2-6A6E9C36524C}" type="datetimeFigureOut">
               <a:rPr lang="zh-CN" altLang="en-US" smtClean="0"/>
-              <a:t>2025/1/6</a:t>
+              <a:t>2025/1/8</a:t>
             </a:fld>
             <a:endParaRPr lang="zh-CN" altLang="en-US"/>
           </a:p>
@@ -1134,7 +1144,7 @@
           <a:p>
             <a:fld id="{48C4A096-5471-43D9-98D2-6A6E9C36524C}" type="datetimeFigureOut">
               <a:rPr lang="zh-CN" altLang="en-US" smtClean="0"/>
-              <a:t>2025/1/6</a:t>
+              <a:t>2025/1/8</a:t>
             </a:fld>
             <a:endParaRPr lang="zh-CN" altLang="en-US"/>
           </a:p>
@@ -1399,7 +1409,7 @@
           <a:p>
             <a:fld id="{48C4A096-5471-43D9-98D2-6A6E9C36524C}" type="datetimeFigureOut">
               <a:rPr lang="zh-CN" altLang="en-US" smtClean="0"/>
-              <a:t>2025/1/6</a:t>
+              <a:t>2025/1/8</a:t>
             </a:fld>
             <a:endParaRPr lang="zh-CN" altLang="en-US"/>
           </a:p>
@@ -1811,7 +1821,7 @@
           <a:p>
             <a:fld id="{48C4A096-5471-43D9-98D2-6A6E9C36524C}" type="datetimeFigureOut">
               <a:rPr lang="zh-CN" altLang="en-US" smtClean="0"/>
-              <a:t>2025/1/6</a:t>
+              <a:t>2025/1/8</a:t>
             </a:fld>
             <a:endParaRPr lang="zh-CN" altLang="en-US"/>
           </a:p>
@@ -1952,7 +1962,7 @@
           <a:p>
             <a:fld id="{48C4A096-5471-43D9-98D2-6A6E9C36524C}" type="datetimeFigureOut">
               <a:rPr lang="zh-CN" altLang="en-US" smtClean="0"/>
-              <a:t>2025/1/6</a:t>
+              <a:t>2025/1/8</a:t>
             </a:fld>
             <a:endParaRPr lang="zh-CN" altLang="en-US"/>
           </a:p>
@@ -2065,7 +2075,7 @@
           <a:p>
             <a:fld id="{48C4A096-5471-43D9-98D2-6A6E9C36524C}" type="datetimeFigureOut">
               <a:rPr lang="zh-CN" altLang="en-US" smtClean="0"/>
-              <a:t>2025/1/6</a:t>
+              <a:t>2025/1/8</a:t>
             </a:fld>
             <a:endParaRPr lang="zh-CN" altLang="en-US"/>
           </a:p>
@@ -2376,7 +2386,7 @@
           <a:p>
             <a:fld id="{48C4A096-5471-43D9-98D2-6A6E9C36524C}" type="datetimeFigureOut">
               <a:rPr lang="zh-CN" altLang="en-US" smtClean="0"/>
-              <a:t>2025/1/6</a:t>
+              <a:t>2025/1/8</a:t>
             </a:fld>
             <a:endParaRPr lang="zh-CN" altLang="en-US"/>
           </a:p>
@@ -2664,7 +2674,7 @@
           <a:p>
             <a:fld id="{48C4A096-5471-43D9-98D2-6A6E9C36524C}" type="datetimeFigureOut">
               <a:rPr lang="zh-CN" altLang="en-US" smtClean="0"/>
-              <a:t>2025/1/6</a:t>
+              <a:t>2025/1/8</a:t>
             </a:fld>
             <a:endParaRPr lang="zh-CN" altLang="en-US"/>
           </a:p>
@@ -2905,7 +2915,7 @@
           <a:p>
             <a:fld id="{48C4A096-5471-43D9-98D2-6A6E9C36524C}" type="datetimeFigureOut">
               <a:rPr lang="zh-CN" altLang="en-US" smtClean="0"/>
-              <a:t>2025/1/6</a:t>
+              <a:t>2025/1/8</a:t>
             </a:fld>
             <a:endParaRPr lang="zh-CN" altLang="en-US"/>
           </a:p>
@@ -3438,6 +3448,234 @@
       </p:grpSpPr>
       <p:pic>
         <p:nvPicPr>
+          <p:cNvPr id="15" name="图片 14">
+            <a:extLst>
+              <a:ext uri="{FF2B5EF4-FFF2-40B4-BE49-F238E27FC236}">
+                <a16:creationId xmlns:a16="http://schemas.microsoft.com/office/drawing/2014/main" id="{5CA690A1-175C-5E28-B109-DBA03E7CC204}"/>
+              </a:ext>
+            </a:extLst>
+          </p:cNvPr>
+          <p:cNvPicPr>
+            <a:picLocks noChangeAspect="1"/>
+          </p:cNvPicPr>
+          <p:nvPr/>
+        </p:nvPicPr>
+        <p:blipFill rotWithShape="1">
+          <a:blip r:embed="rId2">
+            <a:duotone>
+              <a:schemeClr val="accent2">
+                <a:shade val="45000"/>
+                <a:satMod val="135000"/>
+              </a:schemeClr>
+              <a:prstClr val="white"/>
+            </a:duotone>
+            <a:extLst>
+              <a:ext uri="{28A0092B-C50C-407E-A947-70E740481C1C}">
+                <a14:useLocalDpi xmlns:a14="http://schemas.microsoft.com/office/drawing/2010/main" val="0"/>
+              </a:ext>
+            </a:extLst>
+          </a:blip>
+          <a:srcRect l="22783" b="22783"/>
+          <a:stretch/>
+        </p:blipFill>
+        <p:spPr>
+          <a:xfrm rot="8086550">
+            <a:off x="6324278" y="905206"/>
+            <a:ext cx="3765252" cy="3765252"/>
+          </a:xfrm>
+          <a:prstGeom prst="rect">
+            <a:avLst/>
+          </a:prstGeom>
+        </p:spPr>
+      </p:pic>
+      <p:pic>
+        <p:nvPicPr>
+          <p:cNvPr id="2" name="图片 1">
+            <a:extLst>
+              <a:ext uri="{FF2B5EF4-FFF2-40B4-BE49-F238E27FC236}">
+                <a16:creationId xmlns:a16="http://schemas.microsoft.com/office/drawing/2014/main" id="{88532B84-6870-4B62-5999-618DEAE23653}"/>
+              </a:ext>
+            </a:extLst>
+          </p:cNvPr>
+          <p:cNvPicPr>
+            <a:picLocks noChangeAspect="1"/>
+          </p:cNvPicPr>
+          <p:nvPr/>
+        </p:nvPicPr>
+        <p:blipFill rotWithShape="1">
+          <a:blip r:embed="rId2">
+            <a:duotone>
+              <a:schemeClr val="accent2">
+                <a:shade val="45000"/>
+                <a:satMod val="135000"/>
+              </a:schemeClr>
+              <a:prstClr val="white"/>
+            </a:duotone>
+            <a:extLst>
+              <a:ext uri="{28A0092B-C50C-407E-A947-70E740481C1C}">
+                <a14:useLocalDpi xmlns:a14="http://schemas.microsoft.com/office/drawing/2010/main" val="0"/>
+              </a:ext>
+            </a:extLst>
+          </a:blip>
+          <a:srcRect l="22783" b="22783"/>
+          <a:stretch/>
+        </p:blipFill>
+        <p:spPr>
+          <a:xfrm rot="8086550">
+            <a:off x="2102470" y="905207"/>
+            <a:ext cx="3765252" cy="3765252"/>
+          </a:xfrm>
+          <a:prstGeom prst="rect">
+            <a:avLst/>
+          </a:prstGeom>
+        </p:spPr>
+      </p:pic>
+    </p:spTree>
+    <p:extLst>
+      <p:ext uri="{BB962C8B-B14F-4D97-AF65-F5344CB8AC3E}">
+        <p14:creationId xmlns:p14="http://schemas.microsoft.com/office/powerpoint/2010/main" val="3942949581"/>
+      </p:ext>
+    </p:extLst>
+  </p:cSld>
+  <p:clrMapOvr>
+    <a:masterClrMapping/>
+  </p:clrMapOvr>
+</p:sld>
+</file>
+
+<file path=ppt/slides/slide3.xml><?xml version="1.0" encoding="utf-8"?>
+<p:sld xmlns:a="http://schemas.openxmlformats.org/drawingml/2006/main" xmlns:r="http://schemas.openxmlformats.org/officeDocument/2006/relationships" xmlns:p="http://schemas.openxmlformats.org/presentationml/2006/main">
+  <p:cSld>
+    <p:spTree>
+      <p:nvGrpSpPr>
+        <p:cNvPr id="1" name=""/>
+        <p:cNvGrpSpPr/>
+        <p:nvPr/>
+      </p:nvGrpSpPr>
+      <p:grpSpPr>
+        <a:xfrm>
+          <a:off x="0" y="0"/>
+          <a:ext cx="0" cy="0"/>
+          <a:chOff x="0" y="0"/>
+          <a:chExt cx="0" cy="0"/>
+        </a:xfrm>
+      </p:grpSpPr>
+      <p:pic>
+        <p:nvPicPr>
+          <p:cNvPr id="3" name="图片 2">
+            <a:extLst>
+              <a:ext uri="{FF2B5EF4-FFF2-40B4-BE49-F238E27FC236}">
+                <a16:creationId xmlns:a16="http://schemas.microsoft.com/office/drawing/2014/main" id="{C2CC6DC7-B5CF-E3C4-8099-EF34C044EBC7}"/>
+              </a:ext>
+            </a:extLst>
+          </p:cNvPr>
+          <p:cNvPicPr>
+            <a:picLocks noChangeAspect="1"/>
+          </p:cNvPicPr>
+          <p:nvPr/>
+        </p:nvPicPr>
+        <p:blipFill rotWithShape="1">
+          <a:blip r:embed="rId2">
+            <a:duotone>
+              <a:schemeClr val="accent1">
+                <a:shade val="45000"/>
+                <a:satMod val="135000"/>
+              </a:schemeClr>
+              <a:prstClr val="white"/>
+            </a:duotone>
+            <a:extLst>
+              <a:ext uri="{28A0092B-C50C-407E-A947-70E740481C1C}">
+                <a14:useLocalDpi xmlns:a14="http://schemas.microsoft.com/office/drawing/2010/main" val="0"/>
+              </a:ext>
+            </a:extLst>
+          </a:blip>
+          <a:srcRect l="22783" b="22783"/>
+          <a:stretch/>
+        </p:blipFill>
+        <p:spPr>
+          <a:xfrm rot="18888438">
+            <a:off x="6421679" y="989434"/>
+            <a:ext cx="3765252" cy="3765252"/>
+          </a:xfrm>
+          <a:prstGeom prst="rect">
+            <a:avLst/>
+          </a:prstGeom>
+        </p:spPr>
+      </p:pic>
+      <p:pic>
+        <p:nvPicPr>
+          <p:cNvPr id="13" name="图片 12">
+            <a:extLst>
+              <a:ext uri="{FF2B5EF4-FFF2-40B4-BE49-F238E27FC236}">
+                <a16:creationId xmlns:a16="http://schemas.microsoft.com/office/drawing/2014/main" id="{BF252AB2-BCED-4A33-3C40-E7E7971C12A3}"/>
+              </a:ext>
+            </a:extLst>
+          </p:cNvPr>
+          <p:cNvPicPr>
+            <a:picLocks noChangeAspect="1"/>
+          </p:cNvPicPr>
+          <p:nvPr/>
+        </p:nvPicPr>
+        <p:blipFill rotWithShape="1">
+          <a:blip r:embed="rId2">
+            <a:duotone>
+              <a:schemeClr val="accent1">
+                <a:shade val="45000"/>
+                <a:satMod val="135000"/>
+              </a:schemeClr>
+              <a:prstClr val="white"/>
+            </a:duotone>
+            <a:extLst>
+              <a:ext uri="{28A0092B-C50C-407E-A947-70E740481C1C}">
+                <a14:useLocalDpi xmlns:a14="http://schemas.microsoft.com/office/drawing/2010/main" val="0"/>
+              </a:ext>
+            </a:extLst>
+          </a:blip>
+          <a:srcRect l="22783" b="22783"/>
+          <a:stretch/>
+        </p:blipFill>
+        <p:spPr>
+          <a:xfrm rot="18888438">
+            <a:off x="2190571" y="989433"/>
+            <a:ext cx="3765252" cy="3765252"/>
+          </a:xfrm>
+          <a:prstGeom prst="rect">
+            <a:avLst/>
+          </a:prstGeom>
+        </p:spPr>
+      </p:pic>
+    </p:spTree>
+    <p:extLst>
+      <p:ext uri="{BB962C8B-B14F-4D97-AF65-F5344CB8AC3E}">
+        <p14:creationId xmlns:p14="http://schemas.microsoft.com/office/powerpoint/2010/main" val="434660571"/>
+      </p:ext>
+    </p:extLst>
+  </p:cSld>
+  <p:clrMapOvr>
+    <a:masterClrMapping/>
+  </p:clrMapOvr>
+</p:sld>
+</file>
+
+<file path=ppt/slides/slide4.xml><?xml version="1.0" encoding="utf-8"?>
+<p:sld xmlns:a="http://schemas.openxmlformats.org/drawingml/2006/main" xmlns:r="http://schemas.openxmlformats.org/officeDocument/2006/relationships" xmlns:p="http://schemas.openxmlformats.org/presentationml/2006/main">
+  <p:cSld>
+    <p:spTree>
+      <p:nvGrpSpPr>
+        <p:cNvPr id="1" name=""/>
+        <p:cNvGrpSpPr/>
+        <p:nvPr/>
+      </p:nvGrpSpPr>
+      <p:grpSpPr>
+        <a:xfrm>
+          <a:off x="0" y="0"/>
+          <a:ext cx="0" cy="0"/>
+          <a:chOff x="0" y="0"/>
+          <a:chExt cx="0" cy="0"/>
+        </a:xfrm>
+      </p:grpSpPr>
+      <p:pic>
+        <p:nvPicPr>
           <p:cNvPr id="13" name="图片 12">
             <a:extLst>
               <a:ext uri="{FF2B5EF4-FFF2-40B4-BE49-F238E27FC236}">
@@ -3524,6 +3762,3895 @@
     <p:extLst>
       <p:ext uri="{BB962C8B-B14F-4D97-AF65-F5344CB8AC3E}">
         <p14:creationId xmlns:p14="http://schemas.microsoft.com/office/powerpoint/2010/main" val="2884163724"/>
+      </p:ext>
+    </p:extLst>
+  </p:cSld>
+  <p:clrMapOvr>
+    <a:masterClrMapping/>
+  </p:clrMapOvr>
+</p:sld>
+</file>
+
+<file path=ppt/slides/slide5.xml><?xml version="1.0" encoding="utf-8"?>
+<p:sld xmlns:a="http://schemas.openxmlformats.org/drawingml/2006/main" xmlns:r="http://schemas.openxmlformats.org/officeDocument/2006/relationships" xmlns:p="http://schemas.openxmlformats.org/presentationml/2006/main">
+  <p:cSld>
+    <p:spTree>
+      <p:nvGrpSpPr>
+        <p:cNvPr id="1" name=""/>
+        <p:cNvGrpSpPr/>
+        <p:nvPr/>
+      </p:nvGrpSpPr>
+      <p:grpSpPr>
+        <a:xfrm>
+          <a:off x="0" y="0"/>
+          <a:ext cx="0" cy="0"/>
+          <a:chOff x="0" y="0"/>
+          <a:chExt cx="0" cy="0"/>
+        </a:xfrm>
+      </p:grpSpPr>
+      <p:pic>
+        <p:nvPicPr>
+          <p:cNvPr id="4" name="图片 3">
+            <a:extLst>
+              <a:ext uri="{FF2B5EF4-FFF2-40B4-BE49-F238E27FC236}">
+                <a16:creationId xmlns:a16="http://schemas.microsoft.com/office/drawing/2014/main" id="{4F66D11A-0915-6817-0BF9-913D684F20E7}"/>
+              </a:ext>
+            </a:extLst>
+          </p:cNvPr>
+          <p:cNvPicPr>
+            <a:picLocks noChangeAspect="1"/>
+          </p:cNvPicPr>
+          <p:nvPr/>
+        </p:nvPicPr>
+        <p:blipFill rotWithShape="1">
+          <a:blip r:embed="rId2">
+            <a:duotone>
+              <a:schemeClr val="bg2">
+                <a:shade val="45000"/>
+                <a:satMod val="135000"/>
+              </a:schemeClr>
+              <a:prstClr val="white"/>
+            </a:duotone>
+            <a:extLst>
+              <a:ext uri="{28A0092B-C50C-407E-A947-70E740481C1C}">
+                <a14:useLocalDpi xmlns:a14="http://schemas.microsoft.com/office/drawing/2010/main" val="0"/>
+              </a:ext>
+            </a:extLst>
+          </a:blip>
+          <a:srcRect l="22783" b="22783"/>
+          <a:stretch/>
+        </p:blipFill>
+        <p:spPr>
+          <a:xfrm rot="8086550">
+            <a:off x="2097183" y="901190"/>
+            <a:ext cx="3765252" cy="3765252"/>
+          </a:xfrm>
+          <a:prstGeom prst="rect">
+            <a:avLst/>
+          </a:prstGeom>
+        </p:spPr>
+      </p:pic>
+      <p:pic>
+        <p:nvPicPr>
+          <p:cNvPr id="2" name="图片 1">
+            <a:extLst>
+              <a:ext uri="{FF2B5EF4-FFF2-40B4-BE49-F238E27FC236}">
+                <a16:creationId xmlns:a16="http://schemas.microsoft.com/office/drawing/2014/main" id="{EF49A337-C61C-65D2-B02E-2097C87559EF}"/>
+              </a:ext>
+            </a:extLst>
+          </p:cNvPr>
+          <p:cNvPicPr>
+            <a:picLocks noChangeAspect="1"/>
+          </p:cNvPicPr>
+          <p:nvPr/>
+        </p:nvPicPr>
+        <p:blipFill rotWithShape="1">
+          <a:blip r:embed="rId2">
+            <a:duotone>
+              <a:schemeClr val="accent2">
+                <a:shade val="45000"/>
+                <a:satMod val="135000"/>
+              </a:schemeClr>
+              <a:prstClr val="white"/>
+            </a:duotone>
+            <a:extLst>
+              <a:ext uri="{28A0092B-C50C-407E-A947-70E740481C1C}">
+                <a14:useLocalDpi xmlns:a14="http://schemas.microsoft.com/office/drawing/2010/main" val="0"/>
+              </a:ext>
+            </a:extLst>
+          </a:blip>
+          <a:srcRect l="22783" b="22783"/>
+          <a:stretch/>
+        </p:blipFill>
+        <p:spPr>
+          <a:xfrm rot="8086550">
+            <a:off x="6324278" y="905206"/>
+            <a:ext cx="3765252" cy="3765252"/>
+          </a:xfrm>
+          <a:prstGeom prst="rect">
+            <a:avLst/>
+          </a:prstGeom>
+        </p:spPr>
+      </p:pic>
+      <p:pic>
+        <p:nvPicPr>
+          <p:cNvPr id="15" name="图片 14">
+            <a:extLst>
+              <a:ext uri="{FF2B5EF4-FFF2-40B4-BE49-F238E27FC236}">
+                <a16:creationId xmlns:a16="http://schemas.microsoft.com/office/drawing/2014/main" id="{5CA690A1-175C-5E28-B109-DBA03E7CC204}"/>
+              </a:ext>
+            </a:extLst>
+          </p:cNvPr>
+          <p:cNvPicPr>
+            <a:picLocks noChangeAspect="1"/>
+          </p:cNvPicPr>
+          <p:nvPr/>
+        </p:nvPicPr>
+        <p:blipFill rotWithShape="1">
+          <a:blip r:embed="rId2">
+            <a:duotone>
+              <a:schemeClr val="bg2">
+                <a:shade val="45000"/>
+                <a:satMod val="135000"/>
+              </a:schemeClr>
+              <a:prstClr val="white"/>
+            </a:duotone>
+            <a:extLst>
+              <a:ext uri="{28A0092B-C50C-407E-A947-70E740481C1C}">
+                <a14:useLocalDpi xmlns:a14="http://schemas.microsoft.com/office/drawing/2010/main" val="0"/>
+              </a:ext>
+            </a:extLst>
+          </a:blip>
+          <a:srcRect l="22783" b="22783"/>
+          <a:stretch/>
+        </p:blipFill>
+        <p:spPr>
+          <a:xfrm rot="8086550">
+            <a:off x="6324278" y="905206"/>
+            <a:ext cx="3765252" cy="3765252"/>
+          </a:xfrm>
+          <a:prstGeom prst="rect">
+            <a:avLst/>
+          </a:prstGeom>
+        </p:spPr>
+      </p:pic>
+    </p:spTree>
+    <p:extLst>
+      <p:ext uri="{BB962C8B-B14F-4D97-AF65-F5344CB8AC3E}">
+        <p14:creationId xmlns:p14="http://schemas.microsoft.com/office/powerpoint/2010/main" val="2346211566"/>
+      </p:ext>
+    </p:extLst>
+  </p:cSld>
+  <p:clrMapOvr>
+    <a:masterClrMapping/>
+  </p:clrMapOvr>
+</p:sld>
+</file>
+
+<file path=ppt/slides/slide6.xml><?xml version="1.0" encoding="utf-8"?>
+<p:sld xmlns:a="http://schemas.openxmlformats.org/drawingml/2006/main" xmlns:r="http://schemas.openxmlformats.org/officeDocument/2006/relationships" xmlns:p="http://schemas.openxmlformats.org/presentationml/2006/main">
+  <p:cSld>
+    <p:spTree>
+      <p:nvGrpSpPr>
+        <p:cNvPr id="1" name=""/>
+        <p:cNvGrpSpPr/>
+        <p:nvPr/>
+      </p:nvGrpSpPr>
+      <p:grpSpPr>
+        <a:xfrm>
+          <a:off x="0" y="0"/>
+          <a:ext cx="0" cy="0"/>
+          <a:chOff x="0" y="0"/>
+          <a:chExt cx="0" cy="0"/>
+        </a:xfrm>
+      </p:grpSpPr>
+      <p:pic>
+        <p:nvPicPr>
+          <p:cNvPr id="4" name="图片 3">
+            <a:extLst>
+              <a:ext uri="{FF2B5EF4-FFF2-40B4-BE49-F238E27FC236}">
+                <a16:creationId xmlns:a16="http://schemas.microsoft.com/office/drawing/2014/main" id="{48254C3A-EDFD-457D-C251-80A4C655A428}"/>
+              </a:ext>
+            </a:extLst>
+          </p:cNvPr>
+          <p:cNvPicPr>
+            <a:picLocks noChangeAspect="1"/>
+          </p:cNvPicPr>
+          <p:nvPr/>
+        </p:nvPicPr>
+        <p:blipFill rotWithShape="1">
+          <a:blip r:embed="rId2">
+            <a:duotone>
+              <a:schemeClr val="bg2">
+                <a:shade val="45000"/>
+                <a:satMod val="135000"/>
+              </a:schemeClr>
+              <a:prstClr val="white"/>
+            </a:duotone>
+            <a:extLst>
+              <a:ext uri="{28A0092B-C50C-407E-A947-70E740481C1C}">
+                <a14:useLocalDpi xmlns:a14="http://schemas.microsoft.com/office/drawing/2010/main" val="0"/>
+              </a:ext>
+            </a:extLst>
+          </a:blip>
+          <a:srcRect l="22783" b="22783"/>
+          <a:stretch/>
+        </p:blipFill>
+        <p:spPr>
+          <a:xfrm rot="18888438">
+            <a:off x="6421683" y="985420"/>
+            <a:ext cx="3765252" cy="3765252"/>
+          </a:xfrm>
+          <a:prstGeom prst="rect">
+            <a:avLst/>
+          </a:prstGeom>
+        </p:spPr>
+      </p:pic>
+      <p:pic>
+        <p:nvPicPr>
+          <p:cNvPr id="13" name="图片 12">
+            <a:extLst>
+              <a:ext uri="{FF2B5EF4-FFF2-40B4-BE49-F238E27FC236}">
+                <a16:creationId xmlns:a16="http://schemas.microsoft.com/office/drawing/2014/main" id="{BF252AB2-BCED-4A33-3C40-E7E7971C12A3}"/>
+              </a:ext>
+            </a:extLst>
+          </p:cNvPr>
+          <p:cNvPicPr>
+            <a:picLocks noChangeAspect="1"/>
+          </p:cNvPicPr>
+          <p:nvPr/>
+        </p:nvPicPr>
+        <p:blipFill rotWithShape="1">
+          <a:blip r:embed="rId2">
+            <a:duotone>
+              <a:schemeClr val="bg2">
+                <a:shade val="45000"/>
+                <a:satMod val="135000"/>
+              </a:schemeClr>
+              <a:prstClr val="white"/>
+            </a:duotone>
+            <a:extLst>
+              <a:ext uri="{28A0092B-C50C-407E-A947-70E740481C1C}">
+                <a14:useLocalDpi xmlns:a14="http://schemas.microsoft.com/office/drawing/2010/main" val="0"/>
+              </a:ext>
+            </a:extLst>
+          </a:blip>
+          <a:srcRect l="22783" b="22783"/>
+          <a:stretch/>
+        </p:blipFill>
+        <p:spPr>
+          <a:xfrm rot="18888438">
+            <a:off x="2178540" y="989436"/>
+            <a:ext cx="3765252" cy="3765252"/>
+          </a:xfrm>
+          <a:prstGeom prst="rect">
+            <a:avLst/>
+          </a:prstGeom>
+        </p:spPr>
+      </p:pic>
+    </p:spTree>
+    <p:extLst>
+      <p:ext uri="{BB962C8B-B14F-4D97-AF65-F5344CB8AC3E}">
+        <p14:creationId xmlns:p14="http://schemas.microsoft.com/office/powerpoint/2010/main" val="983418280"/>
+      </p:ext>
+    </p:extLst>
+  </p:cSld>
+  <p:clrMapOvr>
+    <a:masterClrMapping/>
+  </p:clrMapOvr>
+</p:sld>
+</file>
+
+<file path=ppt/slides/slide7.xml><?xml version="1.0" encoding="utf-8"?>
+<p:sld xmlns:a="http://schemas.openxmlformats.org/drawingml/2006/main" xmlns:r="http://schemas.openxmlformats.org/officeDocument/2006/relationships" xmlns:p="http://schemas.openxmlformats.org/presentationml/2006/main">
+  <p:cSld>
+    <p:spTree>
+      <p:nvGrpSpPr>
+        <p:cNvPr id="1" name=""/>
+        <p:cNvGrpSpPr/>
+        <p:nvPr/>
+      </p:nvGrpSpPr>
+      <p:grpSpPr>
+        <a:xfrm>
+          <a:off x="0" y="0"/>
+          <a:ext cx="0" cy="0"/>
+          <a:chOff x="0" y="0"/>
+          <a:chExt cx="0" cy="0"/>
+        </a:xfrm>
+      </p:grpSpPr>
+      <p:grpSp>
+        <p:nvGrpSpPr>
+          <p:cNvPr id="3" name="组合 2">
+            <a:extLst>
+              <a:ext uri="{FF2B5EF4-FFF2-40B4-BE49-F238E27FC236}">
+                <a16:creationId xmlns:a16="http://schemas.microsoft.com/office/drawing/2014/main" id="{EF870D58-29FF-4027-3804-2941575C223C}"/>
+              </a:ext>
+            </a:extLst>
+          </p:cNvPr>
+          <p:cNvGrpSpPr/>
+          <p:nvPr/>
+        </p:nvGrpSpPr>
+        <p:grpSpPr>
+          <a:xfrm>
+            <a:off x="0" y="0"/>
+            <a:ext cx="6495803" cy="6847803"/>
+            <a:chOff x="3724891" y="1076325"/>
+            <a:chExt cx="4457871" cy="4699437"/>
+          </a:xfrm>
+        </p:grpSpPr>
+        <p:grpSp>
+          <p:nvGrpSpPr>
+            <p:cNvPr id="5" name="组合 4">
+              <a:extLst>
+                <a:ext uri="{FF2B5EF4-FFF2-40B4-BE49-F238E27FC236}">
+                  <a16:creationId xmlns:a16="http://schemas.microsoft.com/office/drawing/2014/main" id="{4D6E97F7-A787-0232-7ABC-312C799C490A}"/>
+                </a:ext>
+              </a:extLst>
+            </p:cNvPr>
+            <p:cNvGrpSpPr/>
+            <p:nvPr/>
+          </p:nvGrpSpPr>
+          <p:grpSpPr>
+            <a:xfrm>
+              <a:off x="3729850" y="1078350"/>
+              <a:ext cx="4441638" cy="4694597"/>
+              <a:chOff x="3729850" y="1078350"/>
+              <a:chExt cx="4441638" cy="4694597"/>
+            </a:xfrm>
+          </p:grpSpPr>
+          <p:sp>
+            <p:nvSpPr>
+              <p:cNvPr id="8" name="六边形 7">
+                <a:extLst>
+                  <a:ext uri="{FF2B5EF4-FFF2-40B4-BE49-F238E27FC236}">
+                    <a16:creationId xmlns:a16="http://schemas.microsoft.com/office/drawing/2014/main" id="{04B3B61F-D667-9619-1B96-3307DBC44EB9}"/>
+                  </a:ext>
+                </a:extLst>
+              </p:cNvPr>
+              <p:cNvSpPr/>
+              <p:nvPr/>
+            </p:nvSpPr>
+            <p:spPr>
+              <a:xfrm>
+                <a:off x="3734409" y="1420916"/>
+                <a:ext cx="777782" cy="670502"/>
+              </a:xfrm>
+              <a:prstGeom prst="hexagon">
+                <a:avLst/>
+              </a:prstGeom>
+              <a:noFill/>
+              <a:ln>
+                <a:solidFill>
+                  <a:schemeClr val="bg1">
+                    <a:lumMod val="65000"/>
+                  </a:schemeClr>
+                </a:solidFill>
+              </a:ln>
+            </p:spPr>
+            <p:style>
+              <a:lnRef idx="2">
+                <a:schemeClr val="accent1">
+                  <a:shade val="15000"/>
+                </a:schemeClr>
+              </a:lnRef>
+              <a:fillRef idx="1">
+                <a:schemeClr val="accent1"/>
+              </a:fillRef>
+              <a:effectRef idx="0">
+                <a:schemeClr val="accent1"/>
+              </a:effectRef>
+              <a:fontRef idx="minor">
+                <a:schemeClr val="lt1"/>
+              </a:fontRef>
+            </p:style>
+            <p:txBody>
+              <a:bodyPr wrap="square" rtlCol="0" anchor="ctr">
+                <a:noAutofit/>
+              </a:bodyPr>
+              <a:lstStyle/>
+              <a:p>
+                <a:pPr algn="ctr"/>
+                <a:endParaRPr lang="zh-CN" altLang="en-US"/>
+              </a:p>
+            </p:txBody>
+          </p:sp>
+          <p:sp>
+            <p:nvSpPr>
+              <p:cNvPr id="9" name="六边形 8">
+                <a:extLst>
+                  <a:ext uri="{FF2B5EF4-FFF2-40B4-BE49-F238E27FC236}">
+                    <a16:creationId xmlns:a16="http://schemas.microsoft.com/office/drawing/2014/main" id="{69647A6F-9875-C2C9-E43A-A24440DA675D}"/>
+                  </a:ext>
+                </a:extLst>
+              </p:cNvPr>
+              <p:cNvSpPr/>
+              <p:nvPr/>
+            </p:nvSpPr>
+            <p:spPr>
+              <a:xfrm>
+                <a:off x="4343334" y="1756167"/>
+                <a:ext cx="777782" cy="670502"/>
+              </a:xfrm>
+              <a:prstGeom prst="hexagon">
+                <a:avLst/>
+              </a:prstGeom>
+              <a:noFill/>
+              <a:ln>
+                <a:solidFill>
+                  <a:schemeClr val="bg1">
+                    <a:lumMod val="65000"/>
+                  </a:schemeClr>
+                </a:solidFill>
+              </a:ln>
+            </p:spPr>
+            <p:style>
+              <a:lnRef idx="2">
+                <a:schemeClr val="accent1">
+                  <a:shade val="15000"/>
+                </a:schemeClr>
+              </a:lnRef>
+              <a:fillRef idx="1">
+                <a:schemeClr val="accent1"/>
+              </a:fillRef>
+              <a:effectRef idx="0">
+                <a:schemeClr val="accent1"/>
+              </a:effectRef>
+              <a:fontRef idx="minor">
+                <a:schemeClr val="lt1"/>
+              </a:fontRef>
+            </p:style>
+            <p:txBody>
+              <a:bodyPr wrap="square" rtlCol="0" anchor="ctr">
+                <a:noAutofit/>
+              </a:bodyPr>
+              <a:lstStyle/>
+              <a:p>
+                <a:pPr algn="ctr"/>
+                <a:endParaRPr lang="zh-CN" altLang="en-US"/>
+              </a:p>
+            </p:txBody>
+          </p:sp>
+          <p:sp>
+            <p:nvSpPr>
+              <p:cNvPr id="10" name="六边形 9">
+                <a:extLst>
+                  <a:ext uri="{FF2B5EF4-FFF2-40B4-BE49-F238E27FC236}">
+                    <a16:creationId xmlns:a16="http://schemas.microsoft.com/office/drawing/2014/main" id="{0F5942BB-EC96-C1F8-2915-422FBFC9BFC9}"/>
+                  </a:ext>
+                </a:extLst>
+              </p:cNvPr>
+              <p:cNvSpPr/>
+              <p:nvPr/>
+            </p:nvSpPr>
+            <p:spPr>
+              <a:xfrm>
+                <a:off x="3734409" y="2091417"/>
+                <a:ext cx="777782" cy="670502"/>
+              </a:xfrm>
+              <a:prstGeom prst="hexagon">
+                <a:avLst/>
+              </a:prstGeom>
+              <a:noFill/>
+              <a:ln>
+                <a:solidFill>
+                  <a:schemeClr val="bg1">
+                    <a:lumMod val="65000"/>
+                  </a:schemeClr>
+                </a:solidFill>
+              </a:ln>
+            </p:spPr>
+            <p:style>
+              <a:lnRef idx="2">
+                <a:schemeClr val="accent1">
+                  <a:shade val="15000"/>
+                </a:schemeClr>
+              </a:lnRef>
+              <a:fillRef idx="1">
+                <a:schemeClr val="accent1"/>
+              </a:fillRef>
+              <a:effectRef idx="0">
+                <a:schemeClr val="accent1"/>
+              </a:effectRef>
+              <a:fontRef idx="minor">
+                <a:schemeClr val="lt1"/>
+              </a:fontRef>
+            </p:style>
+            <p:txBody>
+              <a:bodyPr wrap="square" rtlCol="0" anchor="ctr">
+                <a:noAutofit/>
+              </a:bodyPr>
+              <a:lstStyle/>
+              <a:p>
+                <a:pPr algn="ctr"/>
+                <a:endParaRPr lang="zh-CN" altLang="en-US"/>
+              </a:p>
+            </p:txBody>
+          </p:sp>
+          <p:sp>
+            <p:nvSpPr>
+              <p:cNvPr id="11" name="六边形 10">
+                <a:extLst>
+                  <a:ext uri="{FF2B5EF4-FFF2-40B4-BE49-F238E27FC236}">
+                    <a16:creationId xmlns:a16="http://schemas.microsoft.com/office/drawing/2014/main" id="{7110A5DD-06D3-CF0E-0135-D532984C5106}"/>
+                  </a:ext>
+                </a:extLst>
+              </p:cNvPr>
+              <p:cNvSpPr/>
+              <p:nvPr/>
+            </p:nvSpPr>
+            <p:spPr>
+              <a:xfrm>
+                <a:off x="4343334" y="1085665"/>
+                <a:ext cx="777782" cy="670502"/>
+              </a:xfrm>
+              <a:prstGeom prst="hexagon">
+                <a:avLst/>
+              </a:prstGeom>
+              <a:noFill/>
+              <a:ln>
+                <a:solidFill>
+                  <a:schemeClr val="bg1">
+                    <a:lumMod val="65000"/>
+                  </a:schemeClr>
+                </a:solidFill>
+              </a:ln>
+            </p:spPr>
+            <p:style>
+              <a:lnRef idx="2">
+                <a:schemeClr val="accent1">
+                  <a:shade val="15000"/>
+                </a:schemeClr>
+              </a:lnRef>
+              <a:fillRef idx="1">
+                <a:schemeClr val="accent1"/>
+              </a:fillRef>
+              <a:effectRef idx="0">
+                <a:schemeClr val="accent1"/>
+              </a:effectRef>
+              <a:fontRef idx="minor">
+                <a:schemeClr val="lt1"/>
+              </a:fontRef>
+            </p:style>
+            <p:txBody>
+              <a:bodyPr wrap="square" rtlCol="0" anchor="ctr">
+                <a:noAutofit/>
+              </a:bodyPr>
+              <a:lstStyle/>
+              <a:p>
+                <a:pPr algn="ctr"/>
+                <a:endParaRPr lang="zh-CN" altLang="en-US"/>
+              </a:p>
+            </p:txBody>
+          </p:sp>
+          <p:sp>
+            <p:nvSpPr>
+              <p:cNvPr id="12" name="六边形 11">
+                <a:extLst>
+                  <a:ext uri="{FF2B5EF4-FFF2-40B4-BE49-F238E27FC236}">
+                    <a16:creationId xmlns:a16="http://schemas.microsoft.com/office/drawing/2014/main" id="{9FC5D7B3-E8D4-9777-AC8A-5C746A4D26BB}"/>
+                  </a:ext>
+                </a:extLst>
+              </p:cNvPr>
+              <p:cNvSpPr/>
+              <p:nvPr/>
+            </p:nvSpPr>
+            <p:spPr>
+              <a:xfrm>
+                <a:off x="4952260" y="1420916"/>
+                <a:ext cx="777782" cy="670502"/>
+              </a:xfrm>
+              <a:prstGeom prst="hexagon">
+                <a:avLst/>
+              </a:prstGeom>
+              <a:noFill/>
+              <a:ln>
+                <a:solidFill>
+                  <a:schemeClr val="bg1">
+                    <a:lumMod val="65000"/>
+                  </a:schemeClr>
+                </a:solidFill>
+              </a:ln>
+            </p:spPr>
+            <p:style>
+              <a:lnRef idx="2">
+                <a:schemeClr val="accent1">
+                  <a:shade val="15000"/>
+                </a:schemeClr>
+              </a:lnRef>
+              <a:fillRef idx="1">
+                <a:schemeClr val="accent1"/>
+              </a:fillRef>
+              <a:effectRef idx="0">
+                <a:schemeClr val="accent1"/>
+              </a:effectRef>
+              <a:fontRef idx="minor">
+                <a:schemeClr val="lt1"/>
+              </a:fontRef>
+            </p:style>
+            <p:txBody>
+              <a:bodyPr wrap="square" rtlCol="0" anchor="ctr">
+                <a:noAutofit/>
+              </a:bodyPr>
+              <a:lstStyle/>
+              <a:p>
+                <a:pPr algn="ctr"/>
+                <a:endParaRPr lang="zh-CN" altLang="en-US"/>
+              </a:p>
+            </p:txBody>
+          </p:sp>
+          <p:sp>
+            <p:nvSpPr>
+              <p:cNvPr id="14" name="六边形 13">
+                <a:extLst>
+                  <a:ext uri="{FF2B5EF4-FFF2-40B4-BE49-F238E27FC236}">
+                    <a16:creationId xmlns:a16="http://schemas.microsoft.com/office/drawing/2014/main" id="{C880494D-1E90-DAFF-52F5-DB9EC3FFFEE6}"/>
+                  </a:ext>
+                </a:extLst>
+              </p:cNvPr>
+              <p:cNvSpPr/>
+              <p:nvPr/>
+            </p:nvSpPr>
+            <p:spPr>
+              <a:xfrm>
+                <a:off x="4952260" y="2091417"/>
+                <a:ext cx="777782" cy="670502"/>
+              </a:xfrm>
+              <a:prstGeom prst="hexagon">
+                <a:avLst/>
+              </a:prstGeom>
+              <a:noFill/>
+              <a:ln>
+                <a:solidFill>
+                  <a:schemeClr val="bg1">
+                    <a:lumMod val="65000"/>
+                  </a:schemeClr>
+                </a:solidFill>
+              </a:ln>
+            </p:spPr>
+            <p:style>
+              <a:lnRef idx="2">
+                <a:schemeClr val="accent1">
+                  <a:shade val="15000"/>
+                </a:schemeClr>
+              </a:lnRef>
+              <a:fillRef idx="1">
+                <a:schemeClr val="accent1"/>
+              </a:fillRef>
+              <a:effectRef idx="0">
+                <a:schemeClr val="accent1"/>
+              </a:effectRef>
+              <a:fontRef idx="minor">
+                <a:schemeClr val="lt1"/>
+              </a:fontRef>
+            </p:style>
+            <p:txBody>
+              <a:bodyPr wrap="square" rtlCol="0" anchor="ctr">
+                <a:noAutofit/>
+              </a:bodyPr>
+              <a:lstStyle/>
+              <a:p>
+                <a:pPr algn="ctr"/>
+                <a:endParaRPr lang="zh-CN" altLang="en-US"/>
+              </a:p>
+            </p:txBody>
+          </p:sp>
+          <p:sp>
+            <p:nvSpPr>
+              <p:cNvPr id="15" name="六边形 14">
+                <a:extLst>
+                  <a:ext uri="{FF2B5EF4-FFF2-40B4-BE49-F238E27FC236}">
+                    <a16:creationId xmlns:a16="http://schemas.microsoft.com/office/drawing/2014/main" id="{F7A0F4A2-9066-0572-5C3C-97B66B8E46FA}"/>
+                  </a:ext>
+                </a:extLst>
+              </p:cNvPr>
+              <p:cNvSpPr/>
+              <p:nvPr/>
+            </p:nvSpPr>
+            <p:spPr>
+              <a:xfrm>
+                <a:off x="5561185" y="1756167"/>
+                <a:ext cx="777782" cy="670502"/>
+              </a:xfrm>
+              <a:prstGeom prst="hexagon">
+                <a:avLst/>
+              </a:prstGeom>
+              <a:noFill/>
+              <a:ln>
+                <a:solidFill>
+                  <a:schemeClr val="bg1">
+                    <a:lumMod val="65000"/>
+                  </a:schemeClr>
+                </a:solidFill>
+              </a:ln>
+            </p:spPr>
+            <p:style>
+              <a:lnRef idx="2">
+                <a:schemeClr val="accent1">
+                  <a:shade val="15000"/>
+                </a:schemeClr>
+              </a:lnRef>
+              <a:fillRef idx="1">
+                <a:schemeClr val="accent1"/>
+              </a:fillRef>
+              <a:effectRef idx="0">
+                <a:schemeClr val="accent1"/>
+              </a:effectRef>
+              <a:fontRef idx="minor">
+                <a:schemeClr val="lt1"/>
+              </a:fontRef>
+            </p:style>
+            <p:txBody>
+              <a:bodyPr wrap="square" rtlCol="0" anchor="ctr">
+                <a:noAutofit/>
+              </a:bodyPr>
+              <a:lstStyle/>
+              <a:p>
+                <a:pPr algn="ctr"/>
+                <a:endParaRPr lang="zh-CN" altLang="en-US" dirty="0"/>
+              </a:p>
+            </p:txBody>
+          </p:sp>
+          <p:sp>
+            <p:nvSpPr>
+              <p:cNvPr id="16" name="六边形 15">
+                <a:extLst>
+                  <a:ext uri="{FF2B5EF4-FFF2-40B4-BE49-F238E27FC236}">
+                    <a16:creationId xmlns:a16="http://schemas.microsoft.com/office/drawing/2014/main" id="{B42FEC26-DADD-CD00-5134-E9CDE8F2BFA7}"/>
+                  </a:ext>
+                </a:extLst>
+              </p:cNvPr>
+              <p:cNvSpPr/>
+              <p:nvPr/>
+            </p:nvSpPr>
+            <p:spPr>
+              <a:xfrm>
+                <a:off x="5561185" y="1085665"/>
+                <a:ext cx="777782" cy="670502"/>
+              </a:xfrm>
+              <a:prstGeom prst="hexagon">
+                <a:avLst/>
+              </a:prstGeom>
+              <a:noFill/>
+              <a:ln>
+                <a:solidFill>
+                  <a:schemeClr val="bg1">
+                    <a:lumMod val="65000"/>
+                  </a:schemeClr>
+                </a:solidFill>
+              </a:ln>
+            </p:spPr>
+            <p:style>
+              <a:lnRef idx="2">
+                <a:schemeClr val="accent1">
+                  <a:shade val="15000"/>
+                </a:schemeClr>
+              </a:lnRef>
+              <a:fillRef idx="1">
+                <a:schemeClr val="accent1"/>
+              </a:fillRef>
+              <a:effectRef idx="0">
+                <a:schemeClr val="accent1"/>
+              </a:effectRef>
+              <a:fontRef idx="minor">
+                <a:schemeClr val="lt1"/>
+              </a:fontRef>
+            </p:style>
+            <p:txBody>
+              <a:bodyPr wrap="square" rtlCol="0" anchor="ctr">
+                <a:noAutofit/>
+              </a:bodyPr>
+              <a:lstStyle/>
+              <a:p>
+                <a:pPr algn="ctr"/>
+                <a:endParaRPr lang="zh-CN" altLang="en-US" dirty="0"/>
+              </a:p>
+            </p:txBody>
+          </p:sp>
+          <p:sp>
+            <p:nvSpPr>
+              <p:cNvPr id="17" name="六边形 16">
+                <a:extLst>
+                  <a:ext uri="{FF2B5EF4-FFF2-40B4-BE49-F238E27FC236}">
+                    <a16:creationId xmlns:a16="http://schemas.microsoft.com/office/drawing/2014/main" id="{BED48163-941C-800F-4B56-A25A842F9F61}"/>
+                  </a:ext>
+                </a:extLst>
+              </p:cNvPr>
+              <p:cNvSpPr/>
+              <p:nvPr/>
+            </p:nvSpPr>
+            <p:spPr>
+              <a:xfrm>
+                <a:off x="6779036" y="1085665"/>
+                <a:ext cx="777782" cy="670502"/>
+              </a:xfrm>
+              <a:prstGeom prst="hexagon">
+                <a:avLst/>
+              </a:prstGeom>
+              <a:noFill/>
+              <a:ln>
+                <a:solidFill>
+                  <a:schemeClr val="bg1">
+                    <a:lumMod val="65000"/>
+                  </a:schemeClr>
+                </a:solidFill>
+              </a:ln>
+            </p:spPr>
+            <p:style>
+              <a:lnRef idx="2">
+                <a:schemeClr val="accent1">
+                  <a:shade val="15000"/>
+                </a:schemeClr>
+              </a:lnRef>
+              <a:fillRef idx="1">
+                <a:schemeClr val="accent1"/>
+              </a:fillRef>
+              <a:effectRef idx="0">
+                <a:schemeClr val="accent1"/>
+              </a:effectRef>
+              <a:fontRef idx="minor">
+                <a:schemeClr val="lt1"/>
+              </a:fontRef>
+            </p:style>
+            <p:txBody>
+              <a:bodyPr wrap="square" rtlCol="0" anchor="ctr">
+                <a:noAutofit/>
+              </a:bodyPr>
+              <a:lstStyle/>
+              <a:p>
+                <a:pPr algn="ctr"/>
+                <a:endParaRPr lang="zh-CN" altLang="en-US" dirty="0"/>
+              </a:p>
+            </p:txBody>
+          </p:sp>
+          <p:sp>
+            <p:nvSpPr>
+              <p:cNvPr id="18" name="六边形 17">
+                <a:extLst>
+                  <a:ext uri="{FF2B5EF4-FFF2-40B4-BE49-F238E27FC236}">
+                    <a16:creationId xmlns:a16="http://schemas.microsoft.com/office/drawing/2014/main" id="{9A63D498-0065-1B5E-210F-4B5BF1FAD02D}"/>
+                  </a:ext>
+                </a:extLst>
+              </p:cNvPr>
+              <p:cNvSpPr/>
+              <p:nvPr/>
+            </p:nvSpPr>
+            <p:spPr>
+              <a:xfrm>
+                <a:off x="6170110" y="1420916"/>
+                <a:ext cx="777782" cy="670502"/>
+              </a:xfrm>
+              <a:prstGeom prst="hexagon">
+                <a:avLst/>
+              </a:prstGeom>
+              <a:noFill/>
+              <a:ln>
+                <a:solidFill>
+                  <a:schemeClr val="bg1">
+                    <a:lumMod val="65000"/>
+                  </a:schemeClr>
+                </a:solidFill>
+              </a:ln>
+            </p:spPr>
+            <p:style>
+              <a:lnRef idx="2">
+                <a:schemeClr val="accent1">
+                  <a:shade val="15000"/>
+                </a:schemeClr>
+              </a:lnRef>
+              <a:fillRef idx="1">
+                <a:schemeClr val="accent1"/>
+              </a:fillRef>
+              <a:effectRef idx="0">
+                <a:schemeClr val="accent1"/>
+              </a:effectRef>
+              <a:fontRef idx="minor">
+                <a:schemeClr val="lt1"/>
+              </a:fontRef>
+            </p:style>
+            <p:txBody>
+              <a:bodyPr wrap="square" rtlCol="0" anchor="ctr">
+                <a:noAutofit/>
+              </a:bodyPr>
+              <a:lstStyle/>
+              <a:p>
+                <a:pPr algn="ctr"/>
+                <a:endParaRPr lang="zh-CN" altLang="en-US" dirty="0"/>
+              </a:p>
+            </p:txBody>
+          </p:sp>
+          <p:sp>
+            <p:nvSpPr>
+              <p:cNvPr id="19" name="六边形 18">
+                <a:extLst>
+                  <a:ext uri="{FF2B5EF4-FFF2-40B4-BE49-F238E27FC236}">
+                    <a16:creationId xmlns:a16="http://schemas.microsoft.com/office/drawing/2014/main" id="{47B2AAEB-F0CE-FEAA-72CD-E68F032F17F2}"/>
+                  </a:ext>
+                </a:extLst>
+              </p:cNvPr>
+              <p:cNvSpPr/>
+              <p:nvPr/>
+            </p:nvSpPr>
+            <p:spPr>
+              <a:xfrm>
+                <a:off x="7387961" y="2086856"/>
+                <a:ext cx="777782" cy="670502"/>
+              </a:xfrm>
+              <a:prstGeom prst="hexagon">
+                <a:avLst/>
+              </a:prstGeom>
+              <a:noFill/>
+              <a:ln>
+                <a:solidFill>
+                  <a:schemeClr val="bg1">
+                    <a:lumMod val="65000"/>
+                  </a:schemeClr>
+                </a:solidFill>
+              </a:ln>
+            </p:spPr>
+            <p:style>
+              <a:lnRef idx="2">
+                <a:schemeClr val="accent1">
+                  <a:shade val="15000"/>
+                </a:schemeClr>
+              </a:lnRef>
+              <a:fillRef idx="1">
+                <a:schemeClr val="accent1"/>
+              </a:fillRef>
+              <a:effectRef idx="0">
+                <a:schemeClr val="accent1"/>
+              </a:effectRef>
+              <a:fontRef idx="minor">
+                <a:schemeClr val="lt1"/>
+              </a:fontRef>
+            </p:style>
+            <p:txBody>
+              <a:bodyPr wrap="square" rtlCol="0" anchor="ctr">
+                <a:noAutofit/>
+              </a:bodyPr>
+              <a:lstStyle/>
+              <a:p>
+                <a:pPr algn="ctr"/>
+                <a:endParaRPr lang="zh-CN" altLang="en-US" dirty="0"/>
+              </a:p>
+            </p:txBody>
+          </p:sp>
+          <p:sp>
+            <p:nvSpPr>
+              <p:cNvPr id="20" name="六边形 19">
+                <a:extLst>
+                  <a:ext uri="{FF2B5EF4-FFF2-40B4-BE49-F238E27FC236}">
+                    <a16:creationId xmlns:a16="http://schemas.microsoft.com/office/drawing/2014/main" id="{3667C07D-A61F-3B4B-4CDA-5FC22E2319AF}"/>
+                  </a:ext>
+                </a:extLst>
+              </p:cNvPr>
+              <p:cNvSpPr/>
+              <p:nvPr/>
+            </p:nvSpPr>
+            <p:spPr>
+              <a:xfrm>
+                <a:off x="6779036" y="1756167"/>
+                <a:ext cx="777782" cy="670502"/>
+              </a:xfrm>
+              <a:prstGeom prst="hexagon">
+                <a:avLst/>
+              </a:prstGeom>
+              <a:noFill/>
+              <a:ln>
+                <a:solidFill>
+                  <a:schemeClr val="bg1">
+                    <a:lumMod val="65000"/>
+                  </a:schemeClr>
+                </a:solidFill>
+              </a:ln>
+            </p:spPr>
+            <p:style>
+              <a:lnRef idx="2">
+                <a:schemeClr val="accent1">
+                  <a:shade val="15000"/>
+                </a:schemeClr>
+              </a:lnRef>
+              <a:fillRef idx="1">
+                <a:schemeClr val="accent1"/>
+              </a:fillRef>
+              <a:effectRef idx="0">
+                <a:schemeClr val="accent1"/>
+              </a:effectRef>
+              <a:fontRef idx="minor">
+                <a:schemeClr val="lt1"/>
+              </a:fontRef>
+            </p:style>
+            <p:txBody>
+              <a:bodyPr wrap="square" rtlCol="0" anchor="ctr">
+                <a:noAutofit/>
+              </a:bodyPr>
+              <a:lstStyle/>
+              <a:p>
+                <a:pPr algn="ctr"/>
+                <a:endParaRPr lang="zh-CN" altLang="en-US" dirty="0"/>
+              </a:p>
+            </p:txBody>
+          </p:sp>
+          <p:sp>
+            <p:nvSpPr>
+              <p:cNvPr id="21" name="六边形 20">
+                <a:extLst>
+                  <a:ext uri="{FF2B5EF4-FFF2-40B4-BE49-F238E27FC236}">
+                    <a16:creationId xmlns:a16="http://schemas.microsoft.com/office/drawing/2014/main" id="{330EC3F4-D15A-AC90-7EE4-70370279321D}"/>
+                  </a:ext>
+                </a:extLst>
+              </p:cNvPr>
+              <p:cNvSpPr/>
+              <p:nvPr/>
+            </p:nvSpPr>
+            <p:spPr>
+              <a:xfrm>
+                <a:off x="7387961" y="1420916"/>
+                <a:ext cx="777782" cy="670502"/>
+              </a:xfrm>
+              <a:prstGeom prst="hexagon">
+                <a:avLst/>
+              </a:prstGeom>
+              <a:noFill/>
+              <a:ln>
+                <a:solidFill>
+                  <a:schemeClr val="bg1">
+                    <a:lumMod val="65000"/>
+                  </a:schemeClr>
+                </a:solidFill>
+              </a:ln>
+            </p:spPr>
+            <p:style>
+              <a:lnRef idx="2">
+                <a:schemeClr val="accent1">
+                  <a:shade val="15000"/>
+                </a:schemeClr>
+              </a:lnRef>
+              <a:fillRef idx="1">
+                <a:schemeClr val="accent1"/>
+              </a:fillRef>
+              <a:effectRef idx="0">
+                <a:schemeClr val="accent1"/>
+              </a:effectRef>
+              <a:fontRef idx="minor">
+                <a:schemeClr val="lt1"/>
+              </a:fontRef>
+            </p:style>
+            <p:txBody>
+              <a:bodyPr wrap="square" rtlCol="0" anchor="ctr">
+                <a:noAutofit/>
+              </a:bodyPr>
+              <a:lstStyle/>
+              <a:p>
+                <a:pPr algn="ctr"/>
+                <a:endParaRPr lang="zh-CN" altLang="en-US" dirty="0"/>
+              </a:p>
+            </p:txBody>
+          </p:sp>
+          <p:sp>
+            <p:nvSpPr>
+              <p:cNvPr id="22" name="六边形 21">
+                <a:extLst>
+                  <a:ext uri="{FF2B5EF4-FFF2-40B4-BE49-F238E27FC236}">
+                    <a16:creationId xmlns:a16="http://schemas.microsoft.com/office/drawing/2014/main" id="{22895233-0329-9C8C-878E-B9B55F797E95}"/>
+                  </a:ext>
+                </a:extLst>
+              </p:cNvPr>
+              <p:cNvSpPr/>
+              <p:nvPr/>
+            </p:nvSpPr>
+            <p:spPr>
+              <a:xfrm>
+                <a:off x="6170110" y="2086856"/>
+                <a:ext cx="777782" cy="670502"/>
+              </a:xfrm>
+              <a:prstGeom prst="hexagon">
+                <a:avLst/>
+              </a:prstGeom>
+              <a:noFill/>
+              <a:ln>
+                <a:solidFill>
+                  <a:schemeClr val="bg1">
+                    <a:lumMod val="65000"/>
+                  </a:schemeClr>
+                </a:solidFill>
+              </a:ln>
+            </p:spPr>
+            <p:style>
+              <a:lnRef idx="2">
+                <a:schemeClr val="accent1">
+                  <a:shade val="15000"/>
+                </a:schemeClr>
+              </a:lnRef>
+              <a:fillRef idx="1">
+                <a:schemeClr val="accent1"/>
+              </a:fillRef>
+              <a:effectRef idx="0">
+                <a:schemeClr val="accent1"/>
+              </a:effectRef>
+              <a:fontRef idx="minor">
+                <a:schemeClr val="lt1"/>
+              </a:fontRef>
+            </p:style>
+            <p:txBody>
+              <a:bodyPr wrap="square" rtlCol="0" anchor="ctr">
+                <a:noAutofit/>
+              </a:bodyPr>
+              <a:lstStyle/>
+              <a:p>
+                <a:pPr algn="ctr"/>
+                <a:endParaRPr lang="zh-CN" altLang="en-US" dirty="0"/>
+              </a:p>
+            </p:txBody>
+          </p:sp>
+          <p:sp>
+            <p:nvSpPr>
+              <p:cNvPr id="23" name="六边形 22">
+                <a:extLst>
+                  <a:ext uri="{FF2B5EF4-FFF2-40B4-BE49-F238E27FC236}">
+                    <a16:creationId xmlns:a16="http://schemas.microsoft.com/office/drawing/2014/main" id="{90E47489-7CD7-E9FE-3F71-37F14683E04C}"/>
+                  </a:ext>
+                </a:extLst>
+              </p:cNvPr>
+              <p:cNvSpPr/>
+              <p:nvPr/>
+            </p:nvSpPr>
+            <p:spPr>
+              <a:xfrm>
+                <a:off x="4343334" y="3092609"/>
+                <a:ext cx="777782" cy="670502"/>
+              </a:xfrm>
+              <a:prstGeom prst="hexagon">
+                <a:avLst/>
+              </a:prstGeom>
+              <a:noFill/>
+              <a:ln>
+                <a:solidFill>
+                  <a:schemeClr val="bg1">
+                    <a:lumMod val="65000"/>
+                  </a:schemeClr>
+                </a:solidFill>
+              </a:ln>
+            </p:spPr>
+            <p:style>
+              <a:lnRef idx="2">
+                <a:schemeClr val="accent1">
+                  <a:shade val="15000"/>
+                </a:schemeClr>
+              </a:lnRef>
+              <a:fillRef idx="1">
+                <a:schemeClr val="accent1"/>
+              </a:fillRef>
+              <a:effectRef idx="0">
+                <a:schemeClr val="accent1"/>
+              </a:effectRef>
+              <a:fontRef idx="minor">
+                <a:schemeClr val="lt1"/>
+              </a:fontRef>
+            </p:style>
+            <p:txBody>
+              <a:bodyPr wrap="square" rtlCol="0" anchor="ctr">
+                <a:noAutofit/>
+              </a:bodyPr>
+              <a:lstStyle/>
+              <a:p>
+                <a:pPr algn="ctr"/>
+                <a:endParaRPr lang="zh-CN" altLang="en-US"/>
+              </a:p>
+            </p:txBody>
+          </p:sp>
+          <p:sp>
+            <p:nvSpPr>
+              <p:cNvPr id="24" name="六边形 23">
+                <a:extLst>
+                  <a:ext uri="{FF2B5EF4-FFF2-40B4-BE49-F238E27FC236}">
+                    <a16:creationId xmlns:a16="http://schemas.microsoft.com/office/drawing/2014/main" id="{E7AF673B-5F5C-FB74-1FBB-4DF364DC332F}"/>
+                  </a:ext>
+                </a:extLst>
+              </p:cNvPr>
+              <p:cNvSpPr/>
+              <p:nvPr/>
+            </p:nvSpPr>
+            <p:spPr>
+              <a:xfrm>
+                <a:off x="4952260" y="3427860"/>
+                <a:ext cx="777782" cy="670502"/>
+              </a:xfrm>
+              <a:prstGeom prst="hexagon">
+                <a:avLst/>
+              </a:prstGeom>
+              <a:noFill/>
+              <a:ln>
+                <a:solidFill>
+                  <a:schemeClr val="bg1">
+                    <a:lumMod val="65000"/>
+                  </a:schemeClr>
+                </a:solidFill>
+              </a:ln>
+            </p:spPr>
+            <p:style>
+              <a:lnRef idx="2">
+                <a:schemeClr val="accent1">
+                  <a:shade val="15000"/>
+                </a:schemeClr>
+              </a:lnRef>
+              <a:fillRef idx="1">
+                <a:schemeClr val="accent1"/>
+              </a:fillRef>
+              <a:effectRef idx="0">
+                <a:schemeClr val="accent1"/>
+              </a:effectRef>
+              <a:fontRef idx="minor">
+                <a:schemeClr val="lt1"/>
+              </a:fontRef>
+            </p:style>
+            <p:txBody>
+              <a:bodyPr wrap="square" rtlCol="0" anchor="ctr">
+                <a:noAutofit/>
+              </a:bodyPr>
+              <a:lstStyle/>
+              <a:p>
+                <a:pPr algn="ctr"/>
+                <a:endParaRPr lang="zh-CN" altLang="en-US"/>
+              </a:p>
+            </p:txBody>
+          </p:sp>
+          <p:sp>
+            <p:nvSpPr>
+              <p:cNvPr id="25" name="六边形 24">
+                <a:extLst>
+                  <a:ext uri="{FF2B5EF4-FFF2-40B4-BE49-F238E27FC236}">
+                    <a16:creationId xmlns:a16="http://schemas.microsoft.com/office/drawing/2014/main" id="{69533254-C924-D99D-70B4-DDD2D7B47D60}"/>
+                  </a:ext>
+                </a:extLst>
+              </p:cNvPr>
+              <p:cNvSpPr/>
+              <p:nvPr/>
+            </p:nvSpPr>
+            <p:spPr>
+              <a:xfrm>
+                <a:off x="4343334" y="3763111"/>
+                <a:ext cx="777782" cy="670502"/>
+              </a:xfrm>
+              <a:prstGeom prst="hexagon">
+                <a:avLst/>
+              </a:prstGeom>
+              <a:noFill/>
+              <a:ln>
+                <a:solidFill>
+                  <a:schemeClr val="bg1">
+                    <a:lumMod val="65000"/>
+                  </a:schemeClr>
+                </a:solidFill>
+              </a:ln>
+            </p:spPr>
+            <p:style>
+              <a:lnRef idx="2">
+                <a:schemeClr val="accent1">
+                  <a:shade val="15000"/>
+                </a:schemeClr>
+              </a:lnRef>
+              <a:fillRef idx="1">
+                <a:schemeClr val="accent1"/>
+              </a:fillRef>
+              <a:effectRef idx="0">
+                <a:schemeClr val="accent1"/>
+              </a:effectRef>
+              <a:fontRef idx="minor">
+                <a:schemeClr val="lt1"/>
+              </a:fontRef>
+            </p:style>
+            <p:txBody>
+              <a:bodyPr wrap="square" rtlCol="0" anchor="ctr">
+                <a:noAutofit/>
+              </a:bodyPr>
+              <a:lstStyle/>
+              <a:p>
+                <a:pPr algn="ctr"/>
+                <a:endParaRPr lang="zh-CN" altLang="en-US"/>
+              </a:p>
+            </p:txBody>
+          </p:sp>
+          <p:sp>
+            <p:nvSpPr>
+              <p:cNvPr id="26" name="六边形 25">
+                <a:extLst>
+                  <a:ext uri="{FF2B5EF4-FFF2-40B4-BE49-F238E27FC236}">
+                    <a16:creationId xmlns:a16="http://schemas.microsoft.com/office/drawing/2014/main" id="{26D4964F-00B7-7257-D2E4-59D502297907}"/>
+                  </a:ext>
+                </a:extLst>
+              </p:cNvPr>
+              <p:cNvSpPr/>
+              <p:nvPr/>
+            </p:nvSpPr>
+            <p:spPr>
+              <a:xfrm>
+                <a:off x="4952260" y="2757358"/>
+                <a:ext cx="777782" cy="670502"/>
+              </a:xfrm>
+              <a:prstGeom prst="hexagon">
+                <a:avLst/>
+              </a:prstGeom>
+              <a:noFill/>
+              <a:ln>
+                <a:solidFill>
+                  <a:schemeClr val="bg1">
+                    <a:lumMod val="65000"/>
+                  </a:schemeClr>
+                </a:solidFill>
+              </a:ln>
+            </p:spPr>
+            <p:style>
+              <a:lnRef idx="2">
+                <a:schemeClr val="accent1">
+                  <a:shade val="15000"/>
+                </a:schemeClr>
+              </a:lnRef>
+              <a:fillRef idx="1">
+                <a:schemeClr val="accent1"/>
+              </a:fillRef>
+              <a:effectRef idx="0">
+                <a:schemeClr val="accent1"/>
+              </a:effectRef>
+              <a:fontRef idx="minor">
+                <a:schemeClr val="lt1"/>
+              </a:fontRef>
+            </p:style>
+            <p:txBody>
+              <a:bodyPr wrap="square" rtlCol="0" anchor="ctr">
+                <a:noAutofit/>
+              </a:bodyPr>
+              <a:lstStyle/>
+              <a:p>
+                <a:pPr algn="ctr"/>
+                <a:endParaRPr lang="zh-CN" altLang="en-US"/>
+              </a:p>
+            </p:txBody>
+          </p:sp>
+          <p:sp>
+            <p:nvSpPr>
+              <p:cNvPr id="27" name="六边形 26">
+                <a:extLst>
+                  <a:ext uri="{FF2B5EF4-FFF2-40B4-BE49-F238E27FC236}">
+                    <a16:creationId xmlns:a16="http://schemas.microsoft.com/office/drawing/2014/main" id="{93C2E4F5-5124-BC28-BEF1-5E498D722650}"/>
+                  </a:ext>
+                </a:extLst>
+              </p:cNvPr>
+              <p:cNvSpPr/>
+              <p:nvPr/>
+            </p:nvSpPr>
+            <p:spPr>
+              <a:xfrm>
+                <a:off x="5561185" y="3092609"/>
+                <a:ext cx="777782" cy="670502"/>
+              </a:xfrm>
+              <a:prstGeom prst="hexagon">
+                <a:avLst/>
+              </a:prstGeom>
+              <a:noFill/>
+              <a:ln>
+                <a:solidFill>
+                  <a:schemeClr val="bg1">
+                    <a:lumMod val="65000"/>
+                  </a:schemeClr>
+                </a:solidFill>
+              </a:ln>
+            </p:spPr>
+            <p:style>
+              <a:lnRef idx="2">
+                <a:schemeClr val="accent1">
+                  <a:shade val="15000"/>
+                </a:schemeClr>
+              </a:lnRef>
+              <a:fillRef idx="1">
+                <a:schemeClr val="accent1"/>
+              </a:fillRef>
+              <a:effectRef idx="0">
+                <a:schemeClr val="accent1"/>
+              </a:effectRef>
+              <a:fontRef idx="minor">
+                <a:schemeClr val="lt1"/>
+              </a:fontRef>
+            </p:style>
+            <p:txBody>
+              <a:bodyPr wrap="square" rtlCol="0" anchor="ctr">
+                <a:noAutofit/>
+              </a:bodyPr>
+              <a:lstStyle/>
+              <a:p>
+                <a:pPr algn="ctr"/>
+                <a:endParaRPr lang="zh-CN" altLang="en-US"/>
+              </a:p>
+            </p:txBody>
+          </p:sp>
+          <p:sp>
+            <p:nvSpPr>
+              <p:cNvPr id="28" name="六边形 27">
+                <a:extLst>
+                  <a:ext uri="{FF2B5EF4-FFF2-40B4-BE49-F238E27FC236}">
+                    <a16:creationId xmlns:a16="http://schemas.microsoft.com/office/drawing/2014/main" id="{931BDF8A-0EEE-69BB-806C-F576389EBD7C}"/>
+                  </a:ext>
+                </a:extLst>
+              </p:cNvPr>
+              <p:cNvSpPr/>
+              <p:nvPr/>
+            </p:nvSpPr>
+            <p:spPr>
+              <a:xfrm>
+                <a:off x="5561185" y="3763111"/>
+                <a:ext cx="777782" cy="670502"/>
+              </a:xfrm>
+              <a:prstGeom prst="hexagon">
+                <a:avLst/>
+              </a:prstGeom>
+              <a:noFill/>
+              <a:ln>
+                <a:solidFill>
+                  <a:schemeClr val="bg1">
+                    <a:lumMod val="65000"/>
+                  </a:schemeClr>
+                </a:solidFill>
+              </a:ln>
+            </p:spPr>
+            <p:style>
+              <a:lnRef idx="2">
+                <a:schemeClr val="accent1">
+                  <a:shade val="15000"/>
+                </a:schemeClr>
+              </a:lnRef>
+              <a:fillRef idx="1">
+                <a:schemeClr val="accent1"/>
+              </a:fillRef>
+              <a:effectRef idx="0">
+                <a:schemeClr val="accent1"/>
+              </a:effectRef>
+              <a:fontRef idx="minor">
+                <a:schemeClr val="lt1"/>
+              </a:fontRef>
+            </p:style>
+            <p:txBody>
+              <a:bodyPr wrap="square" rtlCol="0" anchor="ctr">
+                <a:noAutofit/>
+              </a:bodyPr>
+              <a:lstStyle/>
+              <a:p>
+                <a:pPr algn="ctr"/>
+                <a:endParaRPr lang="zh-CN" altLang="en-US"/>
+              </a:p>
+            </p:txBody>
+          </p:sp>
+          <p:sp>
+            <p:nvSpPr>
+              <p:cNvPr id="29" name="六边形 28">
+                <a:extLst>
+                  <a:ext uri="{FF2B5EF4-FFF2-40B4-BE49-F238E27FC236}">
+                    <a16:creationId xmlns:a16="http://schemas.microsoft.com/office/drawing/2014/main" id="{D1446580-AC4D-3158-7443-1F9BF3A7FD4B}"/>
+                  </a:ext>
+                </a:extLst>
+              </p:cNvPr>
+              <p:cNvSpPr/>
+              <p:nvPr/>
+            </p:nvSpPr>
+            <p:spPr>
+              <a:xfrm>
+                <a:off x="6170110" y="3427860"/>
+                <a:ext cx="777782" cy="670502"/>
+              </a:xfrm>
+              <a:prstGeom prst="hexagon">
+                <a:avLst/>
+              </a:prstGeom>
+              <a:noFill/>
+              <a:ln>
+                <a:solidFill>
+                  <a:schemeClr val="bg1">
+                    <a:lumMod val="65000"/>
+                  </a:schemeClr>
+                </a:solidFill>
+              </a:ln>
+            </p:spPr>
+            <p:style>
+              <a:lnRef idx="2">
+                <a:schemeClr val="accent1">
+                  <a:shade val="15000"/>
+                </a:schemeClr>
+              </a:lnRef>
+              <a:fillRef idx="1">
+                <a:schemeClr val="accent1"/>
+              </a:fillRef>
+              <a:effectRef idx="0">
+                <a:schemeClr val="accent1"/>
+              </a:effectRef>
+              <a:fontRef idx="minor">
+                <a:schemeClr val="lt1"/>
+              </a:fontRef>
+            </p:style>
+            <p:txBody>
+              <a:bodyPr wrap="square" rtlCol="0" anchor="ctr">
+                <a:noAutofit/>
+              </a:bodyPr>
+              <a:lstStyle/>
+              <a:p>
+                <a:pPr algn="ctr"/>
+                <a:endParaRPr lang="zh-CN" altLang="en-US" dirty="0"/>
+              </a:p>
+            </p:txBody>
+          </p:sp>
+          <p:sp>
+            <p:nvSpPr>
+              <p:cNvPr id="30" name="六边形 29">
+                <a:extLst>
+                  <a:ext uri="{FF2B5EF4-FFF2-40B4-BE49-F238E27FC236}">
+                    <a16:creationId xmlns:a16="http://schemas.microsoft.com/office/drawing/2014/main" id="{B1CCD821-3CFA-B2AF-2AD3-99C6F0CF0934}"/>
+                  </a:ext>
+                </a:extLst>
+              </p:cNvPr>
+              <p:cNvSpPr/>
+              <p:nvPr/>
+            </p:nvSpPr>
+            <p:spPr>
+              <a:xfrm>
+                <a:off x="6170110" y="2757358"/>
+                <a:ext cx="777782" cy="670502"/>
+              </a:xfrm>
+              <a:prstGeom prst="hexagon">
+                <a:avLst/>
+              </a:prstGeom>
+              <a:noFill/>
+              <a:ln>
+                <a:solidFill>
+                  <a:schemeClr val="bg1">
+                    <a:lumMod val="65000"/>
+                  </a:schemeClr>
+                </a:solidFill>
+              </a:ln>
+            </p:spPr>
+            <p:style>
+              <a:lnRef idx="2">
+                <a:schemeClr val="accent1">
+                  <a:shade val="15000"/>
+                </a:schemeClr>
+              </a:lnRef>
+              <a:fillRef idx="1">
+                <a:schemeClr val="accent1"/>
+              </a:fillRef>
+              <a:effectRef idx="0">
+                <a:schemeClr val="accent1"/>
+              </a:effectRef>
+              <a:fontRef idx="minor">
+                <a:schemeClr val="lt1"/>
+              </a:fontRef>
+            </p:style>
+            <p:txBody>
+              <a:bodyPr wrap="square" rtlCol="0" anchor="ctr">
+                <a:noAutofit/>
+              </a:bodyPr>
+              <a:lstStyle/>
+              <a:p>
+                <a:pPr algn="ctr"/>
+                <a:endParaRPr lang="zh-CN" altLang="en-US" dirty="0"/>
+              </a:p>
+            </p:txBody>
+          </p:sp>
+          <p:sp>
+            <p:nvSpPr>
+              <p:cNvPr id="31" name="六边形 30">
+                <a:extLst>
+                  <a:ext uri="{FF2B5EF4-FFF2-40B4-BE49-F238E27FC236}">
+                    <a16:creationId xmlns:a16="http://schemas.microsoft.com/office/drawing/2014/main" id="{D8F42AC1-7F32-4121-C517-09067080C96F}"/>
+                  </a:ext>
+                </a:extLst>
+              </p:cNvPr>
+              <p:cNvSpPr/>
+              <p:nvPr/>
+            </p:nvSpPr>
+            <p:spPr>
+              <a:xfrm>
+                <a:off x="4343334" y="2422107"/>
+                <a:ext cx="777782" cy="670502"/>
+              </a:xfrm>
+              <a:prstGeom prst="hexagon">
+                <a:avLst/>
+              </a:prstGeom>
+              <a:noFill/>
+              <a:ln>
+                <a:solidFill>
+                  <a:schemeClr val="bg1">
+                    <a:lumMod val="65000"/>
+                  </a:schemeClr>
+                </a:solidFill>
+              </a:ln>
+            </p:spPr>
+            <p:style>
+              <a:lnRef idx="2">
+                <a:schemeClr val="accent1">
+                  <a:shade val="15000"/>
+                </a:schemeClr>
+              </a:lnRef>
+              <a:fillRef idx="1">
+                <a:schemeClr val="accent1"/>
+              </a:fillRef>
+              <a:effectRef idx="0">
+                <a:schemeClr val="accent1"/>
+              </a:effectRef>
+              <a:fontRef idx="minor">
+                <a:schemeClr val="lt1"/>
+              </a:fontRef>
+            </p:style>
+            <p:txBody>
+              <a:bodyPr wrap="square" rtlCol="0" anchor="ctr">
+                <a:noAutofit/>
+              </a:bodyPr>
+              <a:lstStyle/>
+              <a:p>
+                <a:pPr algn="ctr"/>
+                <a:endParaRPr lang="zh-CN" altLang="en-US" dirty="0"/>
+              </a:p>
+            </p:txBody>
+          </p:sp>
+          <p:sp>
+            <p:nvSpPr>
+              <p:cNvPr id="32" name="六边形 31">
+                <a:extLst>
+                  <a:ext uri="{FF2B5EF4-FFF2-40B4-BE49-F238E27FC236}">
+                    <a16:creationId xmlns:a16="http://schemas.microsoft.com/office/drawing/2014/main" id="{CE2528E8-B9D6-D405-146C-ED969562E6D4}"/>
+                  </a:ext>
+                </a:extLst>
+              </p:cNvPr>
+              <p:cNvSpPr/>
+              <p:nvPr/>
+            </p:nvSpPr>
+            <p:spPr>
+              <a:xfrm>
+                <a:off x="5561185" y="2422107"/>
+                <a:ext cx="777782" cy="670502"/>
+              </a:xfrm>
+              <a:prstGeom prst="hexagon">
+                <a:avLst/>
+              </a:prstGeom>
+              <a:noFill/>
+              <a:ln>
+                <a:solidFill>
+                  <a:schemeClr val="bg1">
+                    <a:lumMod val="65000"/>
+                  </a:schemeClr>
+                </a:solidFill>
+              </a:ln>
+            </p:spPr>
+            <p:style>
+              <a:lnRef idx="2">
+                <a:schemeClr val="accent1">
+                  <a:shade val="15000"/>
+                </a:schemeClr>
+              </a:lnRef>
+              <a:fillRef idx="1">
+                <a:schemeClr val="accent1"/>
+              </a:fillRef>
+              <a:effectRef idx="0">
+                <a:schemeClr val="accent1"/>
+              </a:effectRef>
+              <a:fontRef idx="minor">
+                <a:schemeClr val="lt1"/>
+              </a:fontRef>
+            </p:style>
+            <p:txBody>
+              <a:bodyPr wrap="square" rtlCol="0" anchor="ctr">
+                <a:noAutofit/>
+              </a:bodyPr>
+              <a:lstStyle/>
+              <a:p>
+                <a:pPr algn="ctr"/>
+                <a:endParaRPr lang="zh-CN" altLang="en-US" dirty="0"/>
+              </a:p>
+            </p:txBody>
+          </p:sp>
+          <p:sp>
+            <p:nvSpPr>
+              <p:cNvPr id="33" name="六边形 32">
+                <a:extLst>
+                  <a:ext uri="{FF2B5EF4-FFF2-40B4-BE49-F238E27FC236}">
+                    <a16:creationId xmlns:a16="http://schemas.microsoft.com/office/drawing/2014/main" id="{108BF02E-809A-8E69-AEE9-05DFB11004BC}"/>
+                  </a:ext>
+                </a:extLst>
+              </p:cNvPr>
+              <p:cNvSpPr/>
+              <p:nvPr/>
+            </p:nvSpPr>
+            <p:spPr>
+              <a:xfrm>
+                <a:off x="6779036" y="2422107"/>
+                <a:ext cx="777782" cy="670502"/>
+              </a:xfrm>
+              <a:prstGeom prst="hexagon">
+                <a:avLst/>
+              </a:prstGeom>
+              <a:noFill/>
+              <a:ln>
+                <a:solidFill>
+                  <a:schemeClr val="bg1">
+                    <a:lumMod val="65000"/>
+                  </a:schemeClr>
+                </a:solidFill>
+              </a:ln>
+            </p:spPr>
+            <p:style>
+              <a:lnRef idx="2">
+                <a:schemeClr val="accent1">
+                  <a:shade val="15000"/>
+                </a:schemeClr>
+              </a:lnRef>
+              <a:fillRef idx="1">
+                <a:schemeClr val="accent1"/>
+              </a:fillRef>
+              <a:effectRef idx="0">
+                <a:schemeClr val="accent1"/>
+              </a:effectRef>
+              <a:fontRef idx="minor">
+                <a:schemeClr val="lt1"/>
+              </a:fontRef>
+            </p:style>
+            <p:txBody>
+              <a:bodyPr wrap="square" rtlCol="0" anchor="ctr">
+                <a:noAutofit/>
+              </a:bodyPr>
+              <a:lstStyle/>
+              <a:p>
+                <a:pPr algn="ctr"/>
+                <a:endParaRPr lang="zh-CN" altLang="en-US" dirty="0"/>
+              </a:p>
+            </p:txBody>
+          </p:sp>
+          <p:sp>
+            <p:nvSpPr>
+              <p:cNvPr id="34" name="六边形 33">
+                <a:extLst>
+                  <a:ext uri="{FF2B5EF4-FFF2-40B4-BE49-F238E27FC236}">
+                    <a16:creationId xmlns:a16="http://schemas.microsoft.com/office/drawing/2014/main" id="{B0ABB057-88CE-FFE6-5FA9-CBC31BFA7DC9}"/>
+                  </a:ext>
+                </a:extLst>
+              </p:cNvPr>
+              <p:cNvSpPr/>
+              <p:nvPr/>
+            </p:nvSpPr>
+            <p:spPr>
+              <a:xfrm>
+                <a:off x="7387961" y="2757358"/>
+                <a:ext cx="777782" cy="670502"/>
+              </a:xfrm>
+              <a:prstGeom prst="hexagon">
+                <a:avLst/>
+              </a:prstGeom>
+              <a:noFill/>
+              <a:ln>
+                <a:solidFill>
+                  <a:schemeClr val="bg1">
+                    <a:lumMod val="65000"/>
+                  </a:schemeClr>
+                </a:solidFill>
+              </a:ln>
+            </p:spPr>
+            <p:style>
+              <a:lnRef idx="2">
+                <a:schemeClr val="accent1">
+                  <a:shade val="15000"/>
+                </a:schemeClr>
+              </a:lnRef>
+              <a:fillRef idx="1">
+                <a:schemeClr val="accent1"/>
+              </a:fillRef>
+              <a:effectRef idx="0">
+                <a:schemeClr val="accent1"/>
+              </a:effectRef>
+              <a:fontRef idx="minor">
+                <a:schemeClr val="lt1"/>
+              </a:fontRef>
+            </p:style>
+            <p:txBody>
+              <a:bodyPr wrap="square" rtlCol="0" anchor="ctr">
+                <a:noAutofit/>
+              </a:bodyPr>
+              <a:lstStyle/>
+              <a:p>
+                <a:pPr algn="ctr"/>
+                <a:endParaRPr lang="zh-CN" altLang="en-US" dirty="0"/>
+              </a:p>
+            </p:txBody>
+          </p:sp>
+          <p:sp>
+            <p:nvSpPr>
+              <p:cNvPr id="35" name="六边形 34">
+                <a:extLst>
+                  <a:ext uri="{FF2B5EF4-FFF2-40B4-BE49-F238E27FC236}">
+                    <a16:creationId xmlns:a16="http://schemas.microsoft.com/office/drawing/2014/main" id="{A8767553-4E59-F6FA-B69C-CBF887C61A1F}"/>
+                  </a:ext>
+                </a:extLst>
+              </p:cNvPr>
+              <p:cNvSpPr/>
+              <p:nvPr/>
+            </p:nvSpPr>
+            <p:spPr>
+              <a:xfrm>
+                <a:off x="3729850" y="2761919"/>
+                <a:ext cx="777782" cy="670502"/>
+              </a:xfrm>
+              <a:prstGeom prst="hexagon">
+                <a:avLst/>
+              </a:prstGeom>
+              <a:noFill/>
+              <a:ln>
+                <a:solidFill>
+                  <a:schemeClr val="bg1">
+                    <a:lumMod val="65000"/>
+                  </a:schemeClr>
+                </a:solidFill>
+              </a:ln>
+            </p:spPr>
+            <p:style>
+              <a:lnRef idx="2">
+                <a:schemeClr val="accent1">
+                  <a:shade val="15000"/>
+                </a:schemeClr>
+              </a:lnRef>
+              <a:fillRef idx="1">
+                <a:schemeClr val="accent1"/>
+              </a:fillRef>
+              <a:effectRef idx="0">
+                <a:schemeClr val="accent1"/>
+              </a:effectRef>
+              <a:fontRef idx="minor">
+                <a:schemeClr val="lt1"/>
+              </a:fontRef>
+            </p:style>
+            <p:txBody>
+              <a:bodyPr wrap="square" rtlCol="0" anchor="ctr">
+                <a:noAutofit/>
+              </a:bodyPr>
+              <a:lstStyle/>
+              <a:p>
+                <a:pPr algn="ctr"/>
+                <a:endParaRPr lang="zh-CN" altLang="en-US" dirty="0"/>
+              </a:p>
+            </p:txBody>
+          </p:sp>
+          <p:sp>
+            <p:nvSpPr>
+              <p:cNvPr id="36" name="六边形 35">
+                <a:extLst>
+                  <a:ext uri="{FF2B5EF4-FFF2-40B4-BE49-F238E27FC236}">
+                    <a16:creationId xmlns:a16="http://schemas.microsoft.com/office/drawing/2014/main" id="{7F79DDA3-43A1-8585-1B38-B6654793384C}"/>
+                  </a:ext>
+                </a:extLst>
+              </p:cNvPr>
+              <p:cNvSpPr/>
+              <p:nvPr/>
+            </p:nvSpPr>
+            <p:spPr>
+              <a:xfrm>
+                <a:off x="6779036" y="3092609"/>
+                <a:ext cx="777782" cy="670502"/>
+              </a:xfrm>
+              <a:prstGeom prst="hexagon">
+                <a:avLst/>
+              </a:prstGeom>
+              <a:noFill/>
+              <a:ln>
+                <a:solidFill>
+                  <a:schemeClr val="bg1">
+                    <a:lumMod val="65000"/>
+                  </a:schemeClr>
+                </a:solidFill>
+              </a:ln>
+            </p:spPr>
+            <p:style>
+              <a:lnRef idx="2">
+                <a:schemeClr val="accent1">
+                  <a:shade val="15000"/>
+                </a:schemeClr>
+              </a:lnRef>
+              <a:fillRef idx="1">
+                <a:schemeClr val="accent1"/>
+              </a:fillRef>
+              <a:effectRef idx="0">
+                <a:schemeClr val="accent1"/>
+              </a:effectRef>
+              <a:fontRef idx="minor">
+                <a:schemeClr val="lt1"/>
+              </a:fontRef>
+            </p:style>
+            <p:txBody>
+              <a:bodyPr wrap="square" rtlCol="0" anchor="ctr">
+                <a:noAutofit/>
+              </a:bodyPr>
+              <a:lstStyle/>
+              <a:p>
+                <a:pPr algn="ctr"/>
+                <a:endParaRPr lang="zh-CN" altLang="en-US" dirty="0"/>
+              </a:p>
+            </p:txBody>
+          </p:sp>
+          <p:sp>
+            <p:nvSpPr>
+              <p:cNvPr id="37" name="六边形 36">
+                <a:extLst>
+                  <a:ext uri="{FF2B5EF4-FFF2-40B4-BE49-F238E27FC236}">
+                    <a16:creationId xmlns:a16="http://schemas.microsoft.com/office/drawing/2014/main" id="{B5114252-EA7C-6AA3-0E59-B2BD58B94AD3}"/>
+                  </a:ext>
+                </a:extLst>
+              </p:cNvPr>
+              <p:cNvSpPr/>
+              <p:nvPr/>
+            </p:nvSpPr>
+            <p:spPr>
+              <a:xfrm>
+                <a:off x="7387961" y="3427860"/>
+                <a:ext cx="777782" cy="670502"/>
+              </a:xfrm>
+              <a:prstGeom prst="hexagon">
+                <a:avLst/>
+              </a:prstGeom>
+              <a:noFill/>
+              <a:ln>
+                <a:solidFill>
+                  <a:schemeClr val="bg1">
+                    <a:lumMod val="65000"/>
+                  </a:schemeClr>
+                </a:solidFill>
+              </a:ln>
+            </p:spPr>
+            <p:style>
+              <a:lnRef idx="2">
+                <a:schemeClr val="accent1">
+                  <a:shade val="15000"/>
+                </a:schemeClr>
+              </a:lnRef>
+              <a:fillRef idx="1">
+                <a:schemeClr val="accent1"/>
+              </a:fillRef>
+              <a:effectRef idx="0">
+                <a:schemeClr val="accent1"/>
+              </a:effectRef>
+              <a:fontRef idx="minor">
+                <a:schemeClr val="lt1"/>
+              </a:fontRef>
+            </p:style>
+            <p:txBody>
+              <a:bodyPr wrap="square" rtlCol="0" anchor="ctr">
+                <a:noAutofit/>
+              </a:bodyPr>
+              <a:lstStyle/>
+              <a:p>
+                <a:pPr algn="ctr"/>
+                <a:endParaRPr lang="zh-CN" altLang="en-US" dirty="0"/>
+              </a:p>
+            </p:txBody>
+          </p:sp>
+          <p:sp>
+            <p:nvSpPr>
+              <p:cNvPr id="38" name="六边形 37">
+                <a:extLst>
+                  <a:ext uri="{FF2B5EF4-FFF2-40B4-BE49-F238E27FC236}">
+                    <a16:creationId xmlns:a16="http://schemas.microsoft.com/office/drawing/2014/main" id="{479F38BF-89B4-8CFE-445C-8F6FA14B1188}"/>
+                  </a:ext>
+                </a:extLst>
+              </p:cNvPr>
+              <p:cNvSpPr/>
+              <p:nvPr/>
+            </p:nvSpPr>
+            <p:spPr>
+              <a:xfrm>
+                <a:off x="3729850" y="3432421"/>
+                <a:ext cx="777782" cy="670502"/>
+              </a:xfrm>
+              <a:prstGeom prst="hexagon">
+                <a:avLst/>
+              </a:prstGeom>
+              <a:noFill/>
+              <a:ln>
+                <a:solidFill>
+                  <a:schemeClr val="bg1">
+                    <a:lumMod val="65000"/>
+                  </a:schemeClr>
+                </a:solidFill>
+              </a:ln>
+            </p:spPr>
+            <p:style>
+              <a:lnRef idx="2">
+                <a:schemeClr val="accent1">
+                  <a:shade val="15000"/>
+                </a:schemeClr>
+              </a:lnRef>
+              <a:fillRef idx="1">
+                <a:schemeClr val="accent1"/>
+              </a:fillRef>
+              <a:effectRef idx="0">
+                <a:schemeClr val="accent1"/>
+              </a:effectRef>
+              <a:fontRef idx="minor">
+                <a:schemeClr val="lt1"/>
+              </a:fontRef>
+            </p:style>
+            <p:txBody>
+              <a:bodyPr wrap="square" rtlCol="0" anchor="ctr">
+                <a:noAutofit/>
+              </a:bodyPr>
+              <a:lstStyle/>
+              <a:p>
+                <a:pPr algn="ctr"/>
+                <a:endParaRPr lang="zh-CN" altLang="en-US" dirty="0"/>
+              </a:p>
+            </p:txBody>
+          </p:sp>
+          <p:sp>
+            <p:nvSpPr>
+              <p:cNvPr id="39" name="六边形 38">
+                <a:extLst>
+                  <a:ext uri="{FF2B5EF4-FFF2-40B4-BE49-F238E27FC236}">
+                    <a16:creationId xmlns:a16="http://schemas.microsoft.com/office/drawing/2014/main" id="{2BDA00EE-64E1-5B5E-D4FB-65F7504596A5}"/>
+                  </a:ext>
+                </a:extLst>
+              </p:cNvPr>
+              <p:cNvSpPr/>
+              <p:nvPr/>
+            </p:nvSpPr>
+            <p:spPr>
+              <a:xfrm>
+                <a:off x="6779036" y="3758550"/>
+                <a:ext cx="777782" cy="670502"/>
+              </a:xfrm>
+              <a:prstGeom prst="hexagon">
+                <a:avLst/>
+              </a:prstGeom>
+              <a:noFill/>
+              <a:ln>
+                <a:solidFill>
+                  <a:schemeClr val="bg1">
+                    <a:lumMod val="65000"/>
+                  </a:schemeClr>
+                </a:solidFill>
+              </a:ln>
+            </p:spPr>
+            <p:style>
+              <a:lnRef idx="2">
+                <a:schemeClr val="accent1">
+                  <a:shade val="15000"/>
+                </a:schemeClr>
+              </a:lnRef>
+              <a:fillRef idx="1">
+                <a:schemeClr val="accent1"/>
+              </a:fillRef>
+              <a:effectRef idx="0">
+                <a:schemeClr val="accent1"/>
+              </a:effectRef>
+              <a:fontRef idx="minor">
+                <a:schemeClr val="lt1"/>
+              </a:fontRef>
+            </p:style>
+            <p:txBody>
+              <a:bodyPr wrap="square" rtlCol="0" anchor="ctr">
+                <a:noAutofit/>
+              </a:bodyPr>
+              <a:lstStyle/>
+              <a:p>
+                <a:pPr algn="ctr"/>
+                <a:endParaRPr lang="zh-CN" altLang="en-US" dirty="0"/>
+              </a:p>
+            </p:txBody>
+          </p:sp>
+          <p:sp>
+            <p:nvSpPr>
+              <p:cNvPr id="40" name="六边形 39">
+                <a:extLst>
+                  <a:ext uri="{FF2B5EF4-FFF2-40B4-BE49-F238E27FC236}">
+                    <a16:creationId xmlns:a16="http://schemas.microsoft.com/office/drawing/2014/main" id="{54D8ED56-2F34-7FAB-DAEF-9CE5C3665B08}"/>
+                  </a:ext>
+                </a:extLst>
+              </p:cNvPr>
+              <p:cNvSpPr/>
+              <p:nvPr/>
+            </p:nvSpPr>
+            <p:spPr>
+              <a:xfrm>
+                <a:off x="3736782" y="4766583"/>
+                <a:ext cx="777782" cy="670502"/>
+              </a:xfrm>
+              <a:prstGeom prst="hexagon">
+                <a:avLst/>
+              </a:prstGeom>
+              <a:noFill/>
+              <a:ln>
+                <a:solidFill>
+                  <a:schemeClr val="bg1">
+                    <a:lumMod val="65000"/>
+                  </a:schemeClr>
+                </a:solidFill>
+              </a:ln>
+            </p:spPr>
+            <p:style>
+              <a:lnRef idx="2">
+                <a:schemeClr val="accent1">
+                  <a:shade val="15000"/>
+                </a:schemeClr>
+              </a:lnRef>
+              <a:fillRef idx="1">
+                <a:schemeClr val="accent1"/>
+              </a:fillRef>
+              <a:effectRef idx="0">
+                <a:schemeClr val="accent1"/>
+              </a:effectRef>
+              <a:fontRef idx="minor">
+                <a:schemeClr val="lt1"/>
+              </a:fontRef>
+            </p:style>
+            <p:txBody>
+              <a:bodyPr wrap="square" rtlCol="0" anchor="ctr">
+                <a:noAutofit/>
+              </a:bodyPr>
+              <a:lstStyle/>
+              <a:p>
+                <a:pPr algn="ctr"/>
+                <a:endParaRPr lang="zh-CN" altLang="en-US"/>
+              </a:p>
+            </p:txBody>
+          </p:sp>
+          <p:sp>
+            <p:nvSpPr>
+              <p:cNvPr id="41" name="六边形 40">
+                <a:extLst>
+                  <a:ext uri="{FF2B5EF4-FFF2-40B4-BE49-F238E27FC236}">
+                    <a16:creationId xmlns:a16="http://schemas.microsoft.com/office/drawing/2014/main" id="{1F4D4146-52EE-BCFD-8B96-DAB0264C39A4}"/>
+                  </a:ext>
+                </a:extLst>
+              </p:cNvPr>
+              <p:cNvSpPr/>
+              <p:nvPr/>
+            </p:nvSpPr>
+            <p:spPr>
+              <a:xfrm>
+                <a:off x="4345707" y="5101833"/>
+                <a:ext cx="777782" cy="670502"/>
+              </a:xfrm>
+              <a:prstGeom prst="hexagon">
+                <a:avLst/>
+              </a:prstGeom>
+              <a:noFill/>
+              <a:ln>
+                <a:solidFill>
+                  <a:schemeClr val="bg1">
+                    <a:lumMod val="65000"/>
+                  </a:schemeClr>
+                </a:solidFill>
+              </a:ln>
+            </p:spPr>
+            <p:style>
+              <a:lnRef idx="2">
+                <a:schemeClr val="accent1">
+                  <a:shade val="15000"/>
+                </a:schemeClr>
+              </a:lnRef>
+              <a:fillRef idx="1">
+                <a:schemeClr val="accent1"/>
+              </a:fillRef>
+              <a:effectRef idx="0">
+                <a:schemeClr val="accent1"/>
+              </a:effectRef>
+              <a:fontRef idx="minor">
+                <a:schemeClr val="lt1"/>
+              </a:fontRef>
+            </p:style>
+            <p:txBody>
+              <a:bodyPr wrap="square" rtlCol="0" anchor="ctr">
+                <a:noAutofit/>
+              </a:bodyPr>
+              <a:lstStyle/>
+              <a:p>
+                <a:pPr algn="ctr"/>
+                <a:endParaRPr lang="zh-CN" altLang="en-US"/>
+              </a:p>
+            </p:txBody>
+          </p:sp>
+          <p:sp>
+            <p:nvSpPr>
+              <p:cNvPr id="42" name="六边形 41">
+                <a:extLst>
+                  <a:ext uri="{FF2B5EF4-FFF2-40B4-BE49-F238E27FC236}">
+                    <a16:creationId xmlns:a16="http://schemas.microsoft.com/office/drawing/2014/main" id="{44213EAE-9465-6666-8DF3-963C5CC113CE}"/>
+                  </a:ext>
+                </a:extLst>
+              </p:cNvPr>
+              <p:cNvSpPr/>
+              <p:nvPr/>
+            </p:nvSpPr>
+            <p:spPr>
+              <a:xfrm>
+                <a:off x="4345707" y="4431332"/>
+                <a:ext cx="777782" cy="670502"/>
+              </a:xfrm>
+              <a:prstGeom prst="hexagon">
+                <a:avLst/>
+              </a:prstGeom>
+              <a:noFill/>
+              <a:ln>
+                <a:solidFill>
+                  <a:schemeClr val="bg1">
+                    <a:lumMod val="65000"/>
+                  </a:schemeClr>
+                </a:solidFill>
+              </a:ln>
+            </p:spPr>
+            <p:style>
+              <a:lnRef idx="2">
+                <a:schemeClr val="accent1">
+                  <a:shade val="15000"/>
+                </a:schemeClr>
+              </a:lnRef>
+              <a:fillRef idx="1">
+                <a:schemeClr val="accent1"/>
+              </a:fillRef>
+              <a:effectRef idx="0">
+                <a:schemeClr val="accent1"/>
+              </a:effectRef>
+              <a:fontRef idx="minor">
+                <a:schemeClr val="lt1"/>
+              </a:fontRef>
+            </p:style>
+            <p:txBody>
+              <a:bodyPr wrap="square" rtlCol="0" anchor="ctr">
+                <a:noAutofit/>
+              </a:bodyPr>
+              <a:lstStyle/>
+              <a:p>
+                <a:pPr algn="ctr"/>
+                <a:endParaRPr lang="zh-CN" altLang="en-US"/>
+              </a:p>
+            </p:txBody>
+          </p:sp>
+          <p:sp>
+            <p:nvSpPr>
+              <p:cNvPr id="43" name="六边形 42">
+                <a:extLst>
+                  <a:ext uri="{FF2B5EF4-FFF2-40B4-BE49-F238E27FC236}">
+                    <a16:creationId xmlns:a16="http://schemas.microsoft.com/office/drawing/2014/main" id="{A936ED72-4411-459F-51F2-8A1B246D98E8}"/>
+                  </a:ext>
+                </a:extLst>
+              </p:cNvPr>
+              <p:cNvSpPr/>
+              <p:nvPr/>
+            </p:nvSpPr>
+            <p:spPr>
+              <a:xfrm>
+                <a:off x="4954632" y="4766583"/>
+                <a:ext cx="777782" cy="670502"/>
+              </a:xfrm>
+              <a:prstGeom prst="hexagon">
+                <a:avLst/>
+              </a:prstGeom>
+              <a:noFill/>
+              <a:ln>
+                <a:solidFill>
+                  <a:schemeClr val="bg1">
+                    <a:lumMod val="65000"/>
+                  </a:schemeClr>
+                </a:solidFill>
+              </a:ln>
+            </p:spPr>
+            <p:style>
+              <a:lnRef idx="2">
+                <a:schemeClr val="accent1">
+                  <a:shade val="15000"/>
+                </a:schemeClr>
+              </a:lnRef>
+              <a:fillRef idx="1">
+                <a:schemeClr val="accent1"/>
+              </a:fillRef>
+              <a:effectRef idx="0">
+                <a:schemeClr val="accent1"/>
+              </a:effectRef>
+              <a:fontRef idx="minor">
+                <a:schemeClr val="lt1"/>
+              </a:fontRef>
+            </p:style>
+            <p:txBody>
+              <a:bodyPr wrap="square" rtlCol="0" anchor="ctr">
+                <a:noAutofit/>
+              </a:bodyPr>
+              <a:lstStyle/>
+              <a:p>
+                <a:pPr algn="ctr"/>
+                <a:endParaRPr lang="zh-CN" altLang="en-US"/>
+              </a:p>
+            </p:txBody>
+          </p:sp>
+          <p:sp>
+            <p:nvSpPr>
+              <p:cNvPr id="44" name="六边形 43">
+                <a:extLst>
+                  <a:ext uri="{FF2B5EF4-FFF2-40B4-BE49-F238E27FC236}">
+                    <a16:creationId xmlns:a16="http://schemas.microsoft.com/office/drawing/2014/main" id="{095B2B34-6AFC-01F7-B128-8F7D3EAFEE7B}"/>
+                  </a:ext>
+                </a:extLst>
+              </p:cNvPr>
+              <p:cNvSpPr/>
+              <p:nvPr/>
+            </p:nvSpPr>
+            <p:spPr>
+              <a:xfrm>
+                <a:off x="5563558" y="5101833"/>
+                <a:ext cx="777782" cy="670502"/>
+              </a:xfrm>
+              <a:prstGeom prst="hexagon">
+                <a:avLst/>
+              </a:prstGeom>
+              <a:noFill/>
+              <a:ln>
+                <a:solidFill>
+                  <a:schemeClr val="bg1">
+                    <a:lumMod val="65000"/>
+                  </a:schemeClr>
+                </a:solidFill>
+              </a:ln>
+            </p:spPr>
+            <p:style>
+              <a:lnRef idx="2">
+                <a:schemeClr val="accent1">
+                  <a:shade val="15000"/>
+                </a:schemeClr>
+              </a:lnRef>
+              <a:fillRef idx="1">
+                <a:schemeClr val="accent1"/>
+              </a:fillRef>
+              <a:effectRef idx="0">
+                <a:schemeClr val="accent1"/>
+              </a:effectRef>
+              <a:fontRef idx="minor">
+                <a:schemeClr val="lt1"/>
+              </a:fontRef>
+            </p:style>
+            <p:txBody>
+              <a:bodyPr wrap="square" rtlCol="0" anchor="ctr">
+                <a:noAutofit/>
+              </a:bodyPr>
+              <a:lstStyle/>
+              <a:p>
+                <a:pPr algn="ctr"/>
+                <a:endParaRPr lang="zh-CN" altLang="en-US" dirty="0"/>
+              </a:p>
+            </p:txBody>
+          </p:sp>
+          <p:sp>
+            <p:nvSpPr>
+              <p:cNvPr id="45" name="六边形 44">
+                <a:extLst>
+                  <a:ext uri="{FF2B5EF4-FFF2-40B4-BE49-F238E27FC236}">
+                    <a16:creationId xmlns:a16="http://schemas.microsoft.com/office/drawing/2014/main" id="{C9B2BB81-52C4-97CB-BFC8-0B6D409B4829}"/>
+                  </a:ext>
+                </a:extLst>
+              </p:cNvPr>
+              <p:cNvSpPr/>
+              <p:nvPr/>
+            </p:nvSpPr>
+            <p:spPr>
+              <a:xfrm>
+                <a:off x="5563558" y="4431332"/>
+                <a:ext cx="777782" cy="670502"/>
+              </a:xfrm>
+              <a:prstGeom prst="hexagon">
+                <a:avLst/>
+              </a:prstGeom>
+              <a:noFill/>
+              <a:ln>
+                <a:solidFill>
+                  <a:schemeClr val="bg1">
+                    <a:lumMod val="65000"/>
+                  </a:schemeClr>
+                </a:solidFill>
+              </a:ln>
+            </p:spPr>
+            <p:style>
+              <a:lnRef idx="2">
+                <a:schemeClr val="accent1">
+                  <a:shade val="15000"/>
+                </a:schemeClr>
+              </a:lnRef>
+              <a:fillRef idx="1">
+                <a:schemeClr val="accent1"/>
+              </a:fillRef>
+              <a:effectRef idx="0">
+                <a:schemeClr val="accent1"/>
+              </a:effectRef>
+              <a:fontRef idx="minor">
+                <a:schemeClr val="lt1"/>
+              </a:fontRef>
+            </p:style>
+            <p:txBody>
+              <a:bodyPr wrap="square" rtlCol="0" anchor="ctr">
+                <a:noAutofit/>
+              </a:bodyPr>
+              <a:lstStyle/>
+              <a:p>
+                <a:pPr algn="ctr"/>
+                <a:endParaRPr lang="zh-CN" altLang="en-US" dirty="0"/>
+              </a:p>
+            </p:txBody>
+          </p:sp>
+          <p:sp>
+            <p:nvSpPr>
+              <p:cNvPr id="46" name="六边形 45">
+                <a:extLst>
+                  <a:ext uri="{FF2B5EF4-FFF2-40B4-BE49-F238E27FC236}">
+                    <a16:creationId xmlns:a16="http://schemas.microsoft.com/office/drawing/2014/main" id="{E06053BA-FB1A-EAAB-52E3-7B3BAAA15E71}"/>
+                  </a:ext>
+                </a:extLst>
+              </p:cNvPr>
+              <p:cNvSpPr/>
+              <p:nvPr/>
+            </p:nvSpPr>
+            <p:spPr>
+              <a:xfrm>
+                <a:off x="3730562" y="4102301"/>
+                <a:ext cx="777782" cy="670502"/>
+              </a:xfrm>
+              <a:prstGeom prst="hexagon">
+                <a:avLst/>
+              </a:prstGeom>
+              <a:noFill/>
+              <a:ln>
+                <a:solidFill>
+                  <a:schemeClr val="bg1">
+                    <a:lumMod val="65000"/>
+                  </a:schemeClr>
+                </a:solidFill>
+              </a:ln>
+            </p:spPr>
+            <p:style>
+              <a:lnRef idx="2">
+                <a:schemeClr val="accent1">
+                  <a:shade val="15000"/>
+                </a:schemeClr>
+              </a:lnRef>
+              <a:fillRef idx="1">
+                <a:schemeClr val="accent1"/>
+              </a:fillRef>
+              <a:effectRef idx="0">
+                <a:schemeClr val="accent1"/>
+              </a:effectRef>
+              <a:fontRef idx="minor">
+                <a:schemeClr val="lt1"/>
+              </a:fontRef>
+            </p:style>
+            <p:txBody>
+              <a:bodyPr wrap="square" rtlCol="0" anchor="ctr">
+                <a:noAutofit/>
+              </a:bodyPr>
+              <a:lstStyle/>
+              <a:p>
+                <a:pPr algn="ctr"/>
+                <a:endParaRPr lang="zh-CN" altLang="en-US" dirty="0"/>
+              </a:p>
+            </p:txBody>
+          </p:sp>
+          <p:sp>
+            <p:nvSpPr>
+              <p:cNvPr id="47" name="六边形 46">
+                <a:extLst>
+                  <a:ext uri="{FF2B5EF4-FFF2-40B4-BE49-F238E27FC236}">
+                    <a16:creationId xmlns:a16="http://schemas.microsoft.com/office/drawing/2014/main" id="{F330F923-B38A-9067-F63F-77663F2F6024}"/>
+                  </a:ext>
+                </a:extLst>
+              </p:cNvPr>
+              <p:cNvSpPr/>
+              <p:nvPr/>
+            </p:nvSpPr>
+            <p:spPr>
+              <a:xfrm>
+                <a:off x="4948412" y="4096081"/>
+                <a:ext cx="777782" cy="670502"/>
+              </a:xfrm>
+              <a:prstGeom prst="hexagon">
+                <a:avLst/>
+              </a:prstGeom>
+              <a:noFill/>
+              <a:ln>
+                <a:solidFill>
+                  <a:schemeClr val="bg1">
+                    <a:lumMod val="65000"/>
+                  </a:schemeClr>
+                </a:solidFill>
+              </a:ln>
+            </p:spPr>
+            <p:style>
+              <a:lnRef idx="2">
+                <a:schemeClr val="accent1">
+                  <a:shade val="15000"/>
+                </a:schemeClr>
+              </a:lnRef>
+              <a:fillRef idx="1">
+                <a:schemeClr val="accent1"/>
+              </a:fillRef>
+              <a:effectRef idx="0">
+                <a:schemeClr val="accent1"/>
+              </a:effectRef>
+              <a:fontRef idx="minor">
+                <a:schemeClr val="lt1"/>
+              </a:fontRef>
+            </p:style>
+            <p:txBody>
+              <a:bodyPr wrap="square" rtlCol="0" anchor="ctr">
+                <a:noAutofit/>
+              </a:bodyPr>
+              <a:lstStyle/>
+              <a:p>
+                <a:pPr algn="ctr"/>
+                <a:endParaRPr lang="zh-CN" altLang="en-US" dirty="0"/>
+              </a:p>
+            </p:txBody>
+          </p:sp>
+          <p:sp>
+            <p:nvSpPr>
+              <p:cNvPr id="48" name="六边形 47">
+                <a:extLst>
+                  <a:ext uri="{FF2B5EF4-FFF2-40B4-BE49-F238E27FC236}">
+                    <a16:creationId xmlns:a16="http://schemas.microsoft.com/office/drawing/2014/main" id="{663DA911-EF00-85E1-67D0-FCB8EFB9BD68}"/>
+                  </a:ext>
+                </a:extLst>
+              </p:cNvPr>
+              <p:cNvSpPr/>
+              <p:nvPr/>
+            </p:nvSpPr>
+            <p:spPr>
+              <a:xfrm>
+                <a:off x="6172483" y="4096081"/>
+                <a:ext cx="777782" cy="670502"/>
+              </a:xfrm>
+              <a:prstGeom prst="hexagon">
+                <a:avLst/>
+              </a:prstGeom>
+              <a:noFill/>
+              <a:ln>
+                <a:solidFill>
+                  <a:schemeClr val="bg1">
+                    <a:lumMod val="65000"/>
+                  </a:schemeClr>
+                </a:solidFill>
+              </a:ln>
+            </p:spPr>
+            <p:style>
+              <a:lnRef idx="2">
+                <a:schemeClr val="accent1">
+                  <a:shade val="15000"/>
+                </a:schemeClr>
+              </a:lnRef>
+              <a:fillRef idx="1">
+                <a:schemeClr val="accent1"/>
+              </a:fillRef>
+              <a:effectRef idx="0">
+                <a:schemeClr val="accent1"/>
+              </a:effectRef>
+              <a:fontRef idx="minor">
+                <a:schemeClr val="lt1"/>
+              </a:fontRef>
+            </p:style>
+            <p:txBody>
+              <a:bodyPr wrap="square" rtlCol="0" anchor="ctr">
+                <a:noAutofit/>
+              </a:bodyPr>
+              <a:lstStyle/>
+              <a:p>
+                <a:pPr algn="ctr"/>
+                <a:endParaRPr lang="zh-CN" altLang="en-US" dirty="0"/>
+              </a:p>
+            </p:txBody>
+          </p:sp>
+          <p:sp>
+            <p:nvSpPr>
+              <p:cNvPr id="49" name="六边形 48">
+                <a:extLst>
+                  <a:ext uri="{FF2B5EF4-FFF2-40B4-BE49-F238E27FC236}">
+                    <a16:creationId xmlns:a16="http://schemas.microsoft.com/office/drawing/2014/main" id="{A686BD59-EA92-FFFE-56BB-45DA59125092}"/>
+                  </a:ext>
+                </a:extLst>
+              </p:cNvPr>
+              <p:cNvSpPr/>
+              <p:nvPr/>
+            </p:nvSpPr>
+            <p:spPr>
+              <a:xfrm>
+                <a:off x="6781409" y="4431332"/>
+                <a:ext cx="777782" cy="670502"/>
+              </a:xfrm>
+              <a:prstGeom prst="hexagon">
+                <a:avLst/>
+              </a:prstGeom>
+              <a:noFill/>
+              <a:ln>
+                <a:solidFill>
+                  <a:schemeClr val="bg1">
+                    <a:lumMod val="65000"/>
+                  </a:schemeClr>
+                </a:solidFill>
+              </a:ln>
+            </p:spPr>
+            <p:style>
+              <a:lnRef idx="2">
+                <a:schemeClr val="accent1">
+                  <a:shade val="15000"/>
+                </a:schemeClr>
+              </a:lnRef>
+              <a:fillRef idx="1">
+                <a:schemeClr val="accent1"/>
+              </a:fillRef>
+              <a:effectRef idx="0">
+                <a:schemeClr val="accent1"/>
+              </a:effectRef>
+              <a:fontRef idx="minor">
+                <a:schemeClr val="lt1"/>
+              </a:fontRef>
+            </p:style>
+            <p:txBody>
+              <a:bodyPr wrap="square" rtlCol="0" anchor="ctr">
+                <a:noAutofit/>
+              </a:bodyPr>
+              <a:lstStyle/>
+              <a:p>
+                <a:pPr algn="ctr"/>
+                <a:endParaRPr lang="zh-CN" altLang="en-US" dirty="0"/>
+              </a:p>
+            </p:txBody>
+          </p:sp>
+          <p:sp>
+            <p:nvSpPr>
+              <p:cNvPr id="50" name="六边形 49">
+                <a:extLst>
+                  <a:ext uri="{FF2B5EF4-FFF2-40B4-BE49-F238E27FC236}">
+                    <a16:creationId xmlns:a16="http://schemas.microsoft.com/office/drawing/2014/main" id="{C29F65FB-8D22-6D08-2E01-133910101660}"/>
+                  </a:ext>
+                </a:extLst>
+              </p:cNvPr>
+              <p:cNvSpPr/>
+              <p:nvPr/>
+            </p:nvSpPr>
+            <p:spPr>
+              <a:xfrm>
+                <a:off x="7390334" y="4096081"/>
+                <a:ext cx="777782" cy="670502"/>
+              </a:xfrm>
+              <a:prstGeom prst="hexagon">
+                <a:avLst/>
+              </a:prstGeom>
+              <a:noFill/>
+              <a:ln>
+                <a:solidFill>
+                  <a:schemeClr val="bg1">
+                    <a:lumMod val="65000"/>
+                  </a:schemeClr>
+                </a:solidFill>
+              </a:ln>
+            </p:spPr>
+            <p:style>
+              <a:lnRef idx="2">
+                <a:schemeClr val="accent1">
+                  <a:shade val="15000"/>
+                </a:schemeClr>
+              </a:lnRef>
+              <a:fillRef idx="1">
+                <a:schemeClr val="accent1"/>
+              </a:fillRef>
+              <a:effectRef idx="0">
+                <a:schemeClr val="accent1"/>
+              </a:effectRef>
+              <a:fontRef idx="minor">
+                <a:schemeClr val="lt1"/>
+              </a:fontRef>
+            </p:style>
+            <p:txBody>
+              <a:bodyPr wrap="square" rtlCol="0" anchor="ctr">
+                <a:noAutofit/>
+              </a:bodyPr>
+              <a:lstStyle/>
+              <a:p>
+                <a:pPr algn="ctr"/>
+                <a:endParaRPr lang="zh-CN" altLang="en-US" dirty="0"/>
+              </a:p>
+            </p:txBody>
+          </p:sp>
+          <p:sp>
+            <p:nvSpPr>
+              <p:cNvPr id="51" name="六边形 50">
+                <a:extLst>
+                  <a:ext uri="{FF2B5EF4-FFF2-40B4-BE49-F238E27FC236}">
+                    <a16:creationId xmlns:a16="http://schemas.microsoft.com/office/drawing/2014/main" id="{140007AB-4E5C-2269-0D2C-69EA3C685F97}"/>
+                  </a:ext>
+                </a:extLst>
+              </p:cNvPr>
+              <p:cNvSpPr/>
+              <p:nvPr/>
+            </p:nvSpPr>
+            <p:spPr>
+              <a:xfrm>
+                <a:off x="6172483" y="4766583"/>
+                <a:ext cx="777782" cy="670502"/>
+              </a:xfrm>
+              <a:prstGeom prst="hexagon">
+                <a:avLst/>
+              </a:prstGeom>
+              <a:noFill/>
+              <a:ln>
+                <a:solidFill>
+                  <a:schemeClr val="bg1">
+                    <a:lumMod val="65000"/>
+                  </a:schemeClr>
+                </a:solidFill>
+              </a:ln>
+            </p:spPr>
+            <p:style>
+              <a:lnRef idx="2">
+                <a:schemeClr val="accent1">
+                  <a:shade val="15000"/>
+                </a:schemeClr>
+              </a:lnRef>
+              <a:fillRef idx="1">
+                <a:schemeClr val="accent1"/>
+              </a:fillRef>
+              <a:effectRef idx="0">
+                <a:schemeClr val="accent1"/>
+              </a:effectRef>
+              <a:fontRef idx="minor">
+                <a:schemeClr val="lt1"/>
+              </a:fontRef>
+            </p:style>
+            <p:txBody>
+              <a:bodyPr wrap="square" rtlCol="0" anchor="ctr">
+                <a:noAutofit/>
+              </a:bodyPr>
+              <a:lstStyle/>
+              <a:p>
+                <a:pPr algn="ctr"/>
+                <a:endParaRPr lang="zh-CN" altLang="en-US" dirty="0"/>
+              </a:p>
+            </p:txBody>
+          </p:sp>
+          <p:sp>
+            <p:nvSpPr>
+              <p:cNvPr id="52" name="六边形 51">
+                <a:extLst>
+                  <a:ext uri="{FF2B5EF4-FFF2-40B4-BE49-F238E27FC236}">
+                    <a16:creationId xmlns:a16="http://schemas.microsoft.com/office/drawing/2014/main" id="{8A4C2723-1AA5-BA24-4DFB-6B69830921CA}"/>
+                  </a:ext>
+                </a:extLst>
+              </p:cNvPr>
+              <p:cNvSpPr/>
+              <p:nvPr/>
+            </p:nvSpPr>
+            <p:spPr>
+              <a:xfrm>
+                <a:off x="6781409" y="5101833"/>
+                <a:ext cx="777782" cy="670502"/>
+              </a:xfrm>
+              <a:prstGeom prst="hexagon">
+                <a:avLst/>
+              </a:prstGeom>
+              <a:noFill/>
+              <a:ln>
+                <a:solidFill>
+                  <a:schemeClr val="bg1">
+                    <a:lumMod val="65000"/>
+                  </a:schemeClr>
+                </a:solidFill>
+              </a:ln>
+            </p:spPr>
+            <p:style>
+              <a:lnRef idx="2">
+                <a:schemeClr val="accent1">
+                  <a:shade val="15000"/>
+                </a:schemeClr>
+              </a:lnRef>
+              <a:fillRef idx="1">
+                <a:schemeClr val="accent1"/>
+              </a:fillRef>
+              <a:effectRef idx="0">
+                <a:schemeClr val="accent1"/>
+              </a:effectRef>
+              <a:fontRef idx="minor">
+                <a:schemeClr val="lt1"/>
+              </a:fontRef>
+            </p:style>
+            <p:txBody>
+              <a:bodyPr wrap="square" rtlCol="0" anchor="ctr">
+                <a:noAutofit/>
+              </a:bodyPr>
+              <a:lstStyle/>
+              <a:p>
+                <a:pPr algn="ctr"/>
+                <a:endParaRPr lang="zh-CN" altLang="en-US" dirty="0"/>
+              </a:p>
+            </p:txBody>
+          </p:sp>
+          <p:sp>
+            <p:nvSpPr>
+              <p:cNvPr id="53" name="六边形 52">
+                <a:extLst>
+                  <a:ext uri="{FF2B5EF4-FFF2-40B4-BE49-F238E27FC236}">
+                    <a16:creationId xmlns:a16="http://schemas.microsoft.com/office/drawing/2014/main" id="{D5EED38B-B9E6-36E7-F3D6-5E7B35F11196}"/>
+                  </a:ext>
+                </a:extLst>
+              </p:cNvPr>
+              <p:cNvSpPr/>
+              <p:nvPr/>
+            </p:nvSpPr>
+            <p:spPr>
+              <a:xfrm>
+                <a:off x="7390334" y="4766583"/>
+                <a:ext cx="777782" cy="670502"/>
+              </a:xfrm>
+              <a:prstGeom prst="hexagon">
+                <a:avLst/>
+              </a:prstGeom>
+              <a:noFill/>
+              <a:ln>
+                <a:solidFill>
+                  <a:schemeClr val="bg1">
+                    <a:lumMod val="65000"/>
+                  </a:schemeClr>
+                </a:solidFill>
+              </a:ln>
+            </p:spPr>
+            <p:style>
+              <a:lnRef idx="2">
+                <a:schemeClr val="accent1">
+                  <a:shade val="15000"/>
+                </a:schemeClr>
+              </a:lnRef>
+              <a:fillRef idx="1">
+                <a:schemeClr val="accent1"/>
+              </a:fillRef>
+              <a:effectRef idx="0">
+                <a:schemeClr val="accent1"/>
+              </a:effectRef>
+              <a:fontRef idx="minor">
+                <a:schemeClr val="lt1"/>
+              </a:fontRef>
+            </p:style>
+            <p:txBody>
+              <a:bodyPr wrap="square" rtlCol="0" anchor="ctr">
+                <a:noAutofit/>
+              </a:bodyPr>
+              <a:lstStyle/>
+              <a:p>
+                <a:pPr algn="ctr"/>
+                <a:endParaRPr lang="zh-CN" altLang="en-US" dirty="0"/>
+              </a:p>
+            </p:txBody>
+          </p:sp>
+          <p:grpSp>
+            <p:nvGrpSpPr>
+              <p:cNvPr id="54" name="组合 53">
+                <a:extLst>
+                  <a:ext uri="{FF2B5EF4-FFF2-40B4-BE49-F238E27FC236}">
+                    <a16:creationId xmlns:a16="http://schemas.microsoft.com/office/drawing/2014/main" id="{FEC6A06C-4D4B-56E4-E1B4-A70D390320FB}"/>
+                  </a:ext>
+                </a:extLst>
+              </p:cNvPr>
+              <p:cNvGrpSpPr/>
+              <p:nvPr/>
+            </p:nvGrpSpPr>
+            <p:grpSpPr>
+              <a:xfrm>
+                <a:off x="3734409" y="1078350"/>
+                <a:ext cx="4431333" cy="349131"/>
+                <a:chOff x="3734409" y="1078350"/>
+                <a:chExt cx="4431333" cy="349131"/>
+              </a:xfrm>
+            </p:grpSpPr>
+            <p:sp>
+              <p:nvSpPr>
+                <p:cNvPr id="59" name="任意多边形: 形状 58">
+                  <a:extLst>
+                    <a:ext uri="{FF2B5EF4-FFF2-40B4-BE49-F238E27FC236}">
+                      <a16:creationId xmlns:a16="http://schemas.microsoft.com/office/drawing/2014/main" id="{E3323E98-DD63-61B1-EA1E-AB9031E043E8}"/>
+                    </a:ext>
+                  </a:extLst>
+                </p:cNvPr>
+                <p:cNvSpPr/>
+                <p:nvPr/>
+              </p:nvSpPr>
+              <p:spPr>
+                <a:xfrm>
+                  <a:off x="3734409" y="1078350"/>
+                  <a:ext cx="777782" cy="340027"/>
+                </a:xfrm>
+                <a:custGeom>
+                  <a:avLst/>
+                  <a:gdLst>
+                    <a:gd name="connsiteX0" fmla="*/ 2388 w 777782"/>
+                    <a:gd name="connsiteY0" fmla="*/ 0 h 340027"/>
+                    <a:gd name="connsiteX1" fmla="*/ 775394 w 777782"/>
+                    <a:gd name="connsiteY1" fmla="*/ 0 h 340027"/>
+                    <a:gd name="connsiteX2" fmla="*/ 777782 w 777782"/>
+                    <a:gd name="connsiteY2" fmla="*/ 4776 h 340027"/>
+                    <a:gd name="connsiteX3" fmla="*/ 610157 w 777782"/>
+                    <a:gd name="connsiteY3" fmla="*/ 340027 h 340027"/>
+                    <a:gd name="connsiteX4" fmla="*/ 167626 w 777782"/>
+                    <a:gd name="connsiteY4" fmla="*/ 340027 h 340027"/>
+                    <a:gd name="connsiteX5" fmla="*/ 0 w 777782"/>
+                    <a:gd name="connsiteY5" fmla="*/ 4776 h 340027"/>
+                  </a:gdLst>
+                  <a:ahLst/>
+                  <a:cxnLst>
+                    <a:cxn ang="0">
+                      <a:pos x="connsiteX0" y="connsiteY0"/>
+                    </a:cxn>
+                    <a:cxn ang="0">
+                      <a:pos x="connsiteX1" y="connsiteY1"/>
+                    </a:cxn>
+                    <a:cxn ang="0">
+                      <a:pos x="connsiteX2" y="connsiteY2"/>
+                    </a:cxn>
+                    <a:cxn ang="0">
+                      <a:pos x="connsiteX3" y="connsiteY3"/>
+                    </a:cxn>
+                    <a:cxn ang="0">
+                      <a:pos x="connsiteX4" y="connsiteY4"/>
+                    </a:cxn>
+                    <a:cxn ang="0">
+                      <a:pos x="connsiteX5" y="connsiteY5"/>
+                    </a:cxn>
+                  </a:cxnLst>
+                  <a:rect l="l" t="t" r="r" b="b"/>
+                  <a:pathLst>
+                    <a:path w="777782" h="340027">
+                      <a:moveTo>
+                        <a:pt x="2388" y="0"/>
+                      </a:moveTo>
+                      <a:lnTo>
+                        <a:pt x="775394" y="0"/>
+                      </a:lnTo>
+                      <a:lnTo>
+                        <a:pt x="777782" y="4776"/>
+                      </a:lnTo>
+                      <a:lnTo>
+                        <a:pt x="610157" y="340027"/>
+                      </a:lnTo>
+                      <a:lnTo>
+                        <a:pt x="167626" y="340027"/>
+                      </a:lnTo>
+                      <a:lnTo>
+                        <a:pt x="0" y="4776"/>
+                      </a:lnTo>
+                      <a:close/>
+                    </a:path>
+                  </a:pathLst>
+                </a:custGeom>
+                <a:noFill/>
+                <a:ln>
+                  <a:solidFill>
+                    <a:schemeClr val="bg1">
+                      <a:lumMod val="65000"/>
+                    </a:schemeClr>
+                  </a:solidFill>
+                </a:ln>
+              </p:spPr>
+              <p:style>
+                <a:lnRef idx="2">
+                  <a:schemeClr val="accent1">
+                    <a:shade val="15000"/>
+                  </a:schemeClr>
+                </a:lnRef>
+                <a:fillRef idx="1">
+                  <a:schemeClr val="accent1"/>
+                </a:fillRef>
+                <a:effectRef idx="0">
+                  <a:schemeClr val="accent1"/>
+                </a:effectRef>
+                <a:fontRef idx="minor">
+                  <a:schemeClr val="lt1"/>
+                </a:fontRef>
+              </p:style>
+              <p:txBody>
+                <a:bodyPr wrap="square" rtlCol="0" anchor="ctr">
+                  <a:noAutofit/>
+                </a:bodyPr>
+                <a:lstStyle/>
+                <a:p>
+                  <a:pPr algn="ctr"/>
+                  <a:endParaRPr lang="zh-CN" altLang="en-US" dirty="0"/>
+                </a:p>
+              </p:txBody>
+            </p:sp>
+            <p:sp>
+              <p:nvSpPr>
+                <p:cNvPr id="60" name="任意多边形: 形状 59">
+                  <a:extLst>
+                    <a:ext uri="{FF2B5EF4-FFF2-40B4-BE49-F238E27FC236}">
+                      <a16:creationId xmlns:a16="http://schemas.microsoft.com/office/drawing/2014/main" id="{667E4A7D-5B5A-0B79-FD73-1EED17B2DDB5}"/>
+                    </a:ext>
+                  </a:extLst>
+                </p:cNvPr>
+                <p:cNvSpPr/>
+                <p:nvPr/>
+              </p:nvSpPr>
+              <p:spPr>
+                <a:xfrm>
+                  <a:off x="4948552" y="1087454"/>
+                  <a:ext cx="777782" cy="340027"/>
+                </a:xfrm>
+                <a:custGeom>
+                  <a:avLst/>
+                  <a:gdLst>
+                    <a:gd name="connsiteX0" fmla="*/ 2388 w 777782"/>
+                    <a:gd name="connsiteY0" fmla="*/ 0 h 340027"/>
+                    <a:gd name="connsiteX1" fmla="*/ 775394 w 777782"/>
+                    <a:gd name="connsiteY1" fmla="*/ 0 h 340027"/>
+                    <a:gd name="connsiteX2" fmla="*/ 777782 w 777782"/>
+                    <a:gd name="connsiteY2" fmla="*/ 4776 h 340027"/>
+                    <a:gd name="connsiteX3" fmla="*/ 610157 w 777782"/>
+                    <a:gd name="connsiteY3" fmla="*/ 340027 h 340027"/>
+                    <a:gd name="connsiteX4" fmla="*/ 167626 w 777782"/>
+                    <a:gd name="connsiteY4" fmla="*/ 340027 h 340027"/>
+                    <a:gd name="connsiteX5" fmla="*/ 0 w 777782"/>
+                    <a:gd name="connsiteY5" fmla="*/ 4776 h 340027"/>
+                  </a:gdLst>
+                  <a:ahLst/>
+                  <a:cxnLst>
+                    <a:cxn ang="0">
+                      <a:pos x="connsiteX0" y="connsiteY0"/>
+                    </a:cxn>
+                    <a:cxn ang="0">
+                      <a:pos x="connsiteX1" y="connsiteY1"/>
+                    </a:cxn>
+                    <a:cxn ang="0">
+                      <a:pos x="connsiteX2" y="connsiteY2"/>
+                    </a:cxn>
+                    <a:cxn ang="0">
+                      <a:pos x="connsiteX3" y="connsiteY3"/>
+                    </a:cxn>
+                    <a:cxn ang="0">
+                      <a:pos x="connsiteX4" y="connsiteY4"/>
+                    </a:cxn>
+                    <a:cxn ang="0">
+                      <a:pos x="connsiteX5" y="connsiteY5"/>
+                    </a:cxn>
+                  </a:cxnLst>
+                  <a:rect l="l" t="t" r="r" b="b"/>
+                  <a:pathLst>
+                    <a:path w="777782" h="340027">
+                      <a:moveTo>
+                        <a:pt x="2388" y="0"/>
+                      </a:moveTo>
+                      <a:lnTo>
+                        <a:pt x="775394" y="0"/>
+                      </a:lnTo>
+                      <a:lnTo>
+                        <a:pt x="777782" y="4776"/>
+                      </a:lnTo>
+                      <a:lnTo>
+                        <a:pt x="610157" y="340027"/>
+                      </a:lnTo>
+                      <a:lnTo>
+                        <a:pt x="167626" y="340027"/>
+                      </a:lnTo>
+                      <a:lnTo>
+                        <a:pt x="0" y="4776"/>
+                      </a:lnTo>
+                      <a:close/>
+                    </a:path>
+                  </a:pathLst>
+                </a:custGeom>
+                <a:noFill/>
+                <a:ln>
+                  <a:solidFill>
+                    <a:schemeClr val="bg1">
+                      <a:lumMod val="65000"/>
+                    </a:schemeClr>
+                  </a:solidFill>
+                </a:ln>
+              </p:spPr>
+              <p:style>
+                <a:lnRef idx="2">
+                  <a:schemeClr val="accent1">
+                    <a:shade val="15000"/>
+                  </a:schemeClr>
+                </a:lnRef>
+                <a:fillRef idx="1">
+                  <a:schemeClr val="accent1"/>
+                </a:fillRef>
+                <a:effectRef idx="0">
+                  <a:schemeClr val="accent1"/>
+                </a:effectRef>
+                <a:fontRef idx="minor">
+                  <a:schemeClr val="lt1"/>
+                </a:fontRef>
+              </p:style>
+              <p:txBody>
+                <a:bodyPr wrap="square" rtlCol="0" anchor="ctr">
+                  <a:noAutofit/>
+                </a:bodyPr>
+                <a:lstStyle/>
+                <a:p>
+                  <a:pPr algn="ctr"/>
+                  <a:endParaRPr lang="zh-CN" altLang="en-US" dirty="0"/>
+                </a:p>
+              </p:txBody>
+            </p:sp>
+            <p:sp>
+              <p:nvSpPr>
+                <p:cNvPr id="61" name="任意多边形: 形状 60">
+                  <a:extLst>
+                    <a:ext uri="{FF2B5EF4-FFF2-40B4-BE49-F238E27FC236}">
+                      <a16:creationId xmlns:a16="http://schemas.microsoft.com/office/drawing/2014/main" id="{42516FC7-7CDD-2709-5983-4F0F9AA76DB6}"/>
+                    </a:ext>
+                  </a:extLst>
+                </p:cNvPr>
+                <p:cNvSpPr/>
+                <p:nvPr/>
+              </p:nvSpPr>
+              <p:spPr>
+                <a:xfrm>
+                  <a:off x="6170110" y="1083170"/>
+                  <a:ext cx="777782" cy="340027"/>
+                </a:xfrm>
+                <a:custGeom>
+                  <a:avLst/>
+                  <a:gdLst>
+                    <a:gd name="connsiteX0" fmla="*/ 2388 w 777782"/>
+                    <a:gd name="connsiteY0" fmla="*/ 0 h 340027"/>
+                    <a:gd name="connsiteX1" fmla="*/ 775394 w 777782"/>
+                    <a:gd name="connsiteY1" fmla="*/ 0 h 340027"/>
+                    <a:gd name="connsiteX2" fmla="*/ 777782 w 777782"/>
+                    <a:gd name="connsiteY2" fmla="*/ 4776 h 340027"/>
+                    <a:gd name="connsiteX3" fmla="*/ 610157 w 777782"/>
+                    <a:gd name="connsiteY3" fmla="*/ 340027 h 340027"/>
+                    <a:gd name="connsiteX4" fmla="*/ 167626 w 777782"/>
+                    <a:gd name="connsiteY4" fmla="*/ 340027 h 340027"/>
+                    <a:gd name="connsiteX5" fmla="*/ 0 w 777782"/>
+                    <a:gd name="connsiteY5" fmla="*/ 4776 h 340027"/>
+                  </a:gdLst>
+                  <a:ahLst/>
+                  <a:cxnLst>
+                    <a:cxn ang="0">
+                      <a:pos x="connsiteX0" y="connsiteY0"/>
+                    </a:cxn>
+                    <a:cxn ang="0">
+                      <a:pos x="connsiteX1" y="connsiteY1"/>
+                    </a:cxn>
+                    <a:cxn ang="0">
+                      <a:pos x="connsiteX2" y="connsiteY2"/>
+                    </a:cxn>
+                    <a:cxn ang="0">
+                      <a:pos x="connsiteX3" y="connsiteY3"/>
+                    </a:cxn>
+                    <a:cxn ang="0">
+                      <a:pos x="connsiteX4" y="connsiteY4"/>
+                    </a:cxn>
+                    <a:cxn ang="0">
+                      <a:pos x="connsiteX5" y="connsiteY5"/>
+                    </a:cxn>
+                  </a:cxnLst>
+                  <a:rect l="l" t="t" r="r" b="b"/>
+                  <a:pathLst>
+                    <a:path w="777782" h="340027">
+                      <a:moveTo>
+                        <a:pt x="2388" y="0"/>
+                      </a:moveTo>
+                      <a:lnTo>
+                        <a:pt x="775394" y="0"/>
+                      </a:lnTo>
+                      <a:lnTo>
+                        <a:pt x="777782" y="4776"/>
+                      </a:lnTo>
+                      <a:lnTo>
+                        <a:pt x="610157" y="340027"/>
+                      </a:lnTo>
+                      <a:lnTo>
+                        <a:pt x="167626" y="340027"/>
+                      </a:lnTo>
+                      <a:lnTo>
+                        <a:pt x="0" y="4776"/>
+                      </a:lnTo>
+                      <a:close/>
+                    </a:path>
+                  </a:pathLst>
+                </a:custGeom>
+                <a:noFill/>
+                <a:ln>
+                  <a:solidFill>
+                    <a:schemeClr val="bg1">
+                      <a:lumMod val="65000"/>
+                    </a:schemeClr>
+                  </a:solidFill>
+                </a:ln>
+              </p:spPr>
+              <p:style>
+                <a:lnRef idx="2">
+                  <a:schemeClr val="accent1">
+                    <a:shade val="15000"/>
+                  </a:schemeClr>
+                </a:lnRef>
+                <a:fillRef idx="1">
+                  <a:schemeClr val="accent1"/>
+                </a:fillRef>
+                <a:effectRef idx="0">
+                  <a:schemeClr val="accent1"/>
+                </a:effectRef>
+                <a:fontRef idx="minor">
+                  <a:schemeClr val="lt1"/>
+                </a:fontRef>
+              </p:style>
+              <p:txBody>
+                <a:bodyPr wrap="square" rtlCol="0" anchor="ctr">
+                  <a:noAutofit/>
+                </a:bodyPr>
+                <a:lstStyle/>
+                <a:p>
+                  <a:pPr algn="ctr"/>
+                  <a:endParaRPr lang="zh-CN" altLang="en-US" dirty="0"/>
+                </a:p>
+              </p:txBody>
+            </p:sp>
+            <p:sp>
+              <p:nvSpPr>
+                <p:cNvPr id="62" name="任意多边形: 形状 61">
+                  <a:extLst>
+                    <a:ext uri="{FF2B5EF4-FFF2-40B4-BE49-F238E27FC236}">
+                      <a16:creationId xmlns:a16="http://schemas.microsoft.com/office/drawing/2014/main" id="{7EE52EFA-DB05-CBFF-545A-1A1FE08E736B}"/>
+                    </a:ext>
+                  </a:extLst>
+                </p:cNvPr>
+                <p:cNvSpPr/>
+                <p:nvPr/>
+              </p:nvSpPr>
+              <p:spPr>
+                <a:xfrm>
+                  <a:off x="7387960" y="1083170"/>
+                  <a:ext cx="777782" cy="340027"/>
+                </a:xfrm>
+                <a:custGeom>
+                  <a:avLst/>
+                  <a:gdLst>
+                    <a:gd name="connsiteX0" fmla="*/ 2388 w 777782"/>
+                    <a:gd name="connsiteY0" fmla="*/ 0 h 340027"/>
+                    <a:gd name="connsiteX1" fmla="*/ 775394 w 777782"/>
+                    <a:gd name="connsiteY1" fmla="*/ 0 h 340027"/>
+                    <a:gd name="connsiteX2" fmla="*/ 777782 w 777782"/>
+                    <a:gd name="connsiteY2" fmla="*/ 4776 h 340027"/>
+                    <a:gd name="connsiteX3" fmla="*/ 610157 w 777782"/>
+                    <a:gd name="connsiteY3" fmla="*/ 340027 h 340027"/>
+                    <a:gd name="connsiteX4" fmla="*/ 167626 w 777782"/>
+                    <a:gd name="connsiteY4" fmla="*/ 340027 h 340027"/>
+                    <a:gd name="connsiteX5" fmla="*/ 0 w 777782"/>
+                    <a:gd name="connsiteY5" fmla="*/ 4776 h 340027"/>
+                  </a:gdLst>
+                  <a:ahLst/>
+                  <a:cxnLst>
+                    <a:cxn ang="0">
+                      <a:pos x="connsiteX0" y="connsiteY0"/>
+                    </a:cxn>
+                    <a:cxn ang="0">
+                      <a:pos x="connsiteX1" y="connsiteY1"/>
+                    </a:cxn>
+                    <a:cxn ang="0">
+                      <a:pos x="connsiteX2" y="connsiteY2"/>
+                    </a:cxn>
+                    <a:cxn ang="0">
+                      <a:pos x="connsiteX3" y="connsiteY3"/>
+                    </a:cxn>
+                    <a:cxn ang="0">
+                      <a:pos x="connsiteX4" y="connsiteY4"/>
+                    </a:cxn>
+                    <a:cxn ang="0">
+                      <a:pos x="connsiteX5" y="connsiteY5"/>
+                    </a:cxn>
+                  </a:cxnLst>
+                  <a:rect l="l" t="t" r="r" b="b"/>
+                  <a:pathLst>
+                    <a:path w="777782" h="340027">
+                      <a:moveTo>
+                        <a:pt x="2388" y="0"/>
+                      </a:moveTo>
+                      <a:lnTo>
+                        <a:pt x="775394" y="0"/>
+                      </a:lnTo>
+                      <a:lnTo>
+                        <a:pt x="777782" y="4776"/>
+                      </a:lnTo>
+                      <a:lnTo>
+                        <a:pt x="610157" y="340027"/>
+                      </a:lnTo>
+                      <a:lnTo>
+                        <a:pt x="167626" y="340027"/>
+                      </a:lnTo>
+                      <a:lnTo>
+                        <a:pt x="0" y="4776"/>
+                      </a:lnTo>
+                      <a:close/>
+                    </a:path>
+                  </a:pathLst>
+                </a:custGeom>
+                <a:noFill/>
+                <a:ln>
+                  <a:solidFill>
+                    <a:schemeClr val="bg1">
+                      <a:lumMod val="65000"/>
+                    </a:schemeClr>
+                  </a:solidFill>
+                </a:ln>
+              </p:spPr>
+              <p:style>
+                <a:lnRef idx="2">
+                  <a:schemeClr val="accent1">
+                    <a:shade val="15000"/>
+                  </a:schemeClr>
+                </a:lnRef>
+                <a:fillRef idx="1">
+                  <a:schemeClr val="accent1"/>
+                </a:fillRef>
+                <a:effectRef idx="0">
+                  <a:schemeClr val="accent1"/>
+                </a:effectRef>
+                <a:fontRef idx="minor">
+                  <a:schemeClr val="lt1"/>
+                </a:fontRef>
+              </p:style>
+              <p:txBody>
+                <a:bodyPr wrap="square" rtlCol="0" anchor="ctr">
+                  <a:noAutofit/>
+                </a:bodyPr>
+                <a:lstStyle/>
+                <a:p>
+                  <a:pPr algn="ctr"/>
+                  <a:endParaRPr lang="zh-CN" altLang="en-US" dirty="0"/>
+                </a:p>
+              </p:txBody>
+            </p:sp>
+          </p:grpSp>
+          <p:sp>
+            <p:nvSpPr>
+              <p:cNvPr id="55" name="任意多边形: 形状 54">
+                <a:extLst>
+                  <a:ext uri="{FF2B5EF4-FFF2-40B4-BE49-F238E27FC236}">
+                    <a16:creationId xmlns:a16="http://schemas.microsoft.com/office/drawing/2014/main" id="{F0671C5E-6CEA-2059-CB2B-5EEF9B1C8552}"/>
+                  </a:ext>
+                </a:extLst>
+              </p:cNvPr>
+              <p:cNvSpPr/>
+              <p:nvPr/>
+            </p:nvSpPr>
+            <p:spPr>
+              <a:xfrm rot="10800000">
+                <a:off x="7393706" y="5431546"/>
+                <a:ext cx="777782" cy="340027"/>
+              </a:xfrm>
+              <a:custGeom>
+                <a:avLst/>
+                <a:gdLst>
+                  <a:gd name="connsiteX0" fmla="*/ 2388 w 777782"/>
+                  <a:gd name="connsiteY0" fmla="*/ 0 h 340027"/>
+                  <a:gd name="connsiteX1" fmla="*/ 775394 w 777782"/>
+                  <a:gd name="connsiteY1" fmla="*/ 0 h 340027"/>
+                  <a:gd name="connsiteX2" fmla="*/ 777782 w 777782"/>
+                  <a:gd name="connsiteY2" fmla="*/ 4776 h 340027"/>
+                  <a:gd name="connsiteX3" fmla="*/ 610157 w 777782"/>
+                  <a:gd name="connsiteY3" fmla="*/ 340027 h 340027"/>
+                  <a:gd name="connsiteX4" fmla="*/ 167626 w 777782"/>
+                  <a:gd name="connsiteY4" fmla="*/ 340027 h 340027"/>
+                  <a:gd name="connsiteX5" fmla="*/ 0 w 777782"/>
+                  <a:gd name="connsiteY5" fmla="*/ 4776 h 340027"/>
+                </a:gdLst>
+                <a:ahLst/>
+                <a:cxnLst>
+                  <a:cxn ang="0">
+                    <a:pos x="connsiteX0" y="connsiteY0"/>
+                  </a:cxn>
+                  <a:cxn ang="0">
+                    <a:pos x="connsiteX1" y="connsiteY1"/>
+                  </a:cxn>
+                  <a:cxn ang="0">
+                    <a:pos x="connsiteX2" y="connsiteY2"/>
+                  </a:cxn>
+                  <a:cxn ang="0">
+                    <a:pos x="connsiteX3" y="connsiteY3"/>
+                  </a:cxn>
+                  <a:cxn ang="0">
+                    <a:pos x="connsiteX4" y="connsiteY4"/>
+                  </a:cxn>
+                  <a:cxn ang="0">
+                    <a:pos x="connsiteX5" y="connsiteY5"/>
+                  </a:cxn>
+                </a:cxnLst>
+                <a:rect l="l" t="t" r="r" b="b"/>
+                <a:pathLst>
+                  <a:path w="777782" h="340027">
+                    <a:moveTo>
+                      <a:pt x="2388" y="0"/>
+                    </a:moveTo>
+                    <a:lnTo>
+                      <a:pt x="775394" y="0"/>
+                    </a:lnTo>
+                    <a:lnTo>
+                      <a:pt x="777782" y="4776"/>
+                    </a:lnTo>
+                    <a:lnTo>
+                      <a:pt x="610157" y="340027"/>
+                    </a:lnTo>
+                    <a:lnTo>
+                      <a:pt x="167626" y="340027"/>
+                    </a:lnTo>
+                    <a:lnTo>
+                      <a:pt x="0" y="4776"/>
+                    </a:lnTo>
+                    <a:close/>
+                  </a:path>
+                </a:pathLst>
+              </a:custGeom>
+              <a:noFill/>
+              <a:ln>
+                <a:solidFill>
+                  <a:schemeClr val="bg1">
+                    <a:lumMod val="65000"/>
+                  </a:schemeClr>
+                </a:solidFill>
+              </a:ln>
+            </p:spPr>
+            <p:style>
+              <a:lnRef idx="2">
+                <a:schemeClr val="accent1">
+                  <a:shade val="15000"/>
+                </a:schemeClr>
+              </a:lnRef>
+              <a:fillRef idx="1">
+                <a:schemeClr val="accent1"/>
+              </a:fillRef>
+              <a:effectRef idx="0">
+                <a:schemeClr val="accent1"/>
+              </a:effectRef>
+              <a:fontRef idx="minor">
+                <a:schemeClr val="lt1"/>
+              </a:fontRef>
+            </p:style>
+            <p:txBody>
+              <a:bodyPr wrap="square" rtlCol="0" anchor="ctr">
+                <a:noAutofit/>
+              </a:bodyPr>
+              <a:lstStyle/>
+              <a:p>
+                <a:pPr algn="ctr"/>
+                <a:endParaRPr lang="zh-CN" altLang="en-US" dirty="0"/>
+              </a:p>
+            </p:txBody>
+          </p:sp>
+          <p:sp>
+            <p:nvSpPr>
+              <p:cNvPr id="56" name="任意多边形: 形状 55">
+                <a:extLst>
+                  <a:ext uri="{FF2B5EF4-FFF2-40B4-BE49-F238E27FC236}">
+                    <a16:creationId xmlns:a16="http://schemas.microsoft.com/office/drawing/2014/main" id="{1CD5705C-2627-383A-BDFA-387E08C2AAA9}"/>
+                  </a:ext>
+                </a:extLst>
+              </p:cNvPr>
+              <p:cNvSpPr/>
+              <p:nvPr/>
+            </p:nvSpPr>
+            <p:spPr>
+              <a:xfrm rot="10800000">
+                <a:off x="6172232" y="5432920"/>
+                <a:ext cx="777782" cy="340027"/>
+              </a:xfrm>
+              <a:custGeom>
+                <a:avLst/>
+                <a:gdLst>
+                  <a:gd name="connsiteX0" fmla="*/ 2388 w 777782"/>
+                  <a:gd name="connsiteY0" fmla="*/ 0 h 340027"/>
+                  <a:gd name="connsiteX1" fmla="*/ 775394 w 777782"/>
+                  <a:gd name="connsiteY1" fmla="*/ 0 h 340027"/>
+                  <a:gd name="connsiteX2" fmla="*/ 777782 w 777782"/>
+                  <a:gd name="connsiteY2" fmla="*/ 4776 h 340027"/>
+                  <a:gd name="connsiteX3" fmla="*/ 610157 w 777782"/>
+                  <a:gd name="connsiteY3" fmla="*/ 340027 h 340027"/>
+                  <a:gd name="connsiteX4" fmla="*/ 167626 w 777782"/>
+                  <a:gd name="connsiteY4" fmla="*/ 340027 h 340027"/>
+                  <a:gd name="connsiteX5" fmla="*/ 0 w 777782"/>
+                  <a:gd name="connsiteY5" fmla="*/ 4776 h 340027"/>
+                </a:gdLst>
+                <a:ahLst/>
+                <a:cxnLst>
+                  <a:cxn ang="0">
+                    <a:pos x="connsiteX0" y="connsiteY0"/>
+                  </a:cxn>
+                  <a:cxn ang="0">
+                    <a:pos x="connsiteX1" y="connsiteY1"/>
+                  </a:cxn>
+                  <a:cxn ang="0">
+                    <a:pos x="connsiteX2" y="connsiteY2"/>
+                  </a:cxn>
+                  <a:cxn ang="0">
+                    <a:pos x="connsiteX3" y="connsiteY3"/>
+                  </a:cxn>
+                  <a:cxn ang="0">
+                    <a:pos x="connsiteX4" y="connsiteY4"/>
+                  </a:cxn>
+                  <a:cxn ang="0">
+                    <a:pos x="connsiteX5" y="connsiteY5"/>
+                  </a:cxn>
+                </a:cxnLst>
+                <a:rect l="l" t="t" r="r" b="b"/>
+                <a:pathLst>
+                  <a:path w="777782" h="340027">
+                    <a:moveTo>
+                      <a:pt x="2388" y="0"/>
+                    </a:moveTo>
+                    <a:lnTo>
+                      <a:pt x="775394" y="0"/>
+                    </a:lnTo>
+                    <a:lnTo>
+                      <a:pt x="777782" y="4776"/>
+                    </a:lnTo>
+                    <a:lnTo>
+                      <a:pt x="610157" y="340027"/>
+                    </a:lnTo>
+                    <a:lnTo>
+                      <a:pt x="167626" y="340027"/>
+                    </a:lnTo>
+                    <a:lnTo>
+                      <a:pt x="0" y="4776"/>
+                    </a:lnTo>
+                    <a:close/>
+                  </a:path>
+                </a:pathLst>
+              </a:custGeom>
+              <a:noFill/>
+              <a:ln>
+                <a:solidFill>
+                  <a:schemeClr val="bg1">
+                    <a:lumMod val="65000"/>
+                  </a:schemeClr>
+                </a:solidFill>
+              </a:ln>
+            </p:spPr>
+            <p:style>
+              <a:lnRef idx="2">
+                <a:schemeClr val="accent1">
+                  <a:shade val="15000"/>
+                </a:schemeClr>
+              </a:lnRef>
+              <a:fillRef idx="1">
+                <a:schemeClr val="accent1"/>
+              </a:fillRef>
+              <a:effectRef idx="0">
+                <a:schemeClr val="accent1"/>
+              </a:effectRef>
+              <a:fontRef idx="minor">
+                <a:schemeClr val="lt1"/>
+              </a:fontRef>
+            </p:style>
+            <p:txBody>
+              <a:bodyPr wrap="square" rtlCol="0" anchor="ctr">
+                <a:noAutofit/>
+              </a:bodyPr>
+              <a:lstStyle/>
+              <a:p>
+                <a:pPr algn="ctr"/>
+                <a:endParaRPr lang="zh-CN" altLang="en-US" dirty="0"/>
+              </a:p>
+            </p:txBody>
+          </p:sp>
+          <p:sp>
+            <p:nvSpPr>
+              <p:cNvPr id="57" name="任意多边形: 形状 56">
+                <a:extLst>
+                  <a:ext uri="{FF2B5EF4-FFF2-40B4-BE49-F238E27FC236}">
+                    <a16:creationId xmlns:a16="http://schemas.microsoft.com/office/drawing/2014/main" id="{9A9BC22F-09C7-5A56-A39A-1E47B1BE8126}"/>
+                  </a:ext>
+                </a:extLst>
+              </p:cNvPr>
+              <p:cNvSpPr/>
+              <p:nvPr/>
+            </p:nvSpPr>
+            <p:spPr>
+              <a:xfrm rot="10800000">
+                <a:off x="4955624" y="5432442"/>
+                <a:ext cx="777782" cy="340027"/>
+              </a:xfrm>
+              <a:custGeom>
+                <a:avLst/>
+                <a:gdLst>
+                  <a:gd name="connsiteX0" fmla="*/ 2388 w 777782"/>
+                  <a:gd name="connsiteY0" fmla="*/ 0 h 340027"/>
+                  <a:gd name="connsiteX1" fmla="*/ 775394 w 777782"/>
+                  <a:gd name="connsiteY1" fmla="*/ 0 h 340027"/>
+                  <a:gd name="connsiteX2" fmla="*/ 777782 w 777782"/>
+                  <a:gd name="connsiteY2" fmla="*/ 4776 h 340027"/>
+                  <a:gd name="connsiteX3" fmla="*/ 610157 w 777782"/>
+                  <a:gd name="connsiteY3" fmla="*/ 340027 h 340027"/>
+                  <a:gd name="connsiteX4" fmla="*/ 167626 w 777782"/>
+                  <a:gd name="connsiteY4" fmla="*/ 340027 h 340027"/>
+                  <a:gd name="connsiteX5" fmla="*/ 0 w 777782"/>
+                  <a:gd name="connsiteY5" fmla="*/ 4776 h 340027"/>
+                </a:gdLst>
+                <a:ahLst/>
+                <a:cxnLst>
+                  <a:cxn ang="0">
+                    <a:pos x="connsiteX0" y="connsiteY0"/>
+                  </a:cxn>
+                  <a:cxn ang="0">
+                    <a:pos x="connsiteX1" y="connsiteY1"/>
+                  </a:cxn>
+                  <a:cxn ang="0">
+                    <a:pos x="connsiteX2" y="connsiteY2"/>
+                  </a:cxn>
+                  <a:cxn ang="0">
+                    <a:pos x="connsiteX3" y="connsiteY3"/>
+                  </a:cxn>
+                  <a:cxn ang="0">
+                    <a:pos x="connsiteX4" y="connsiteY4"/>
+                  </a:cxn>
+                  <a:cxn ang="0">
+                    <a:pos x="connsiteX5" y="connsiteY5"/>
+                  </a:cxn>
+                </a:cxnLst>
+                <a:rect l="l" t="t" r="r" b="b"/>
+                <a:pathLst>
+                  <a:path w="777782" h="340027">
+                    <a:moveTo>
+                      <a:pt x="2388" y="0"/>
+                    </a:moveTo>
+                    <a:lnTo>
+                      <a:pt x="775394" y="0"/>
+                    </a:lnTo>
+                    <a:lnTo>
+                      <a:pt x="777782" y="4776"/>
+                    </a:lnTo>
+                    <a:lnTo>
+                      <a:pt x="610157" y="340027"/>
+                    </a:lnTo>
+                    <a:lnTo>
+                      <a:pt x="167626" y="340027"/>
+                    </a:lnTo>
+                    <a:lnTo>
+                      <a:pt x="0" y="4776"/>
+                    </a:lnTo>
+                    <a:close/>
+                  </a:path>
+                </a:pathLst>
+              </a:custGeom>
+              <a:noFill/>
+              <a:ln>
+                <a:solidFill>
+                  <a:schemeClr val="bg1">
+                    <a:lumMod val="65000"/>
+                  </a:schemeClr>
+                </a:solidFill>
+              </a:ln>
+            </p:spPr>
+            <p:style>
+              <a:lnRef idx="2">
+                <a:schemeClr val="accent1">
+                  <a:shade val="15000"/>
+                </a:schemeClr>
+              </a:lnRef>
+              <a:fillRef idx="1">
+                <a:schemeClr val="accent1"/>
+              </a:fillRef>
+              <a:effectRef idx="0">
+                <a:schemeClr val="accent1"/>
+              </a:effectRef>
+              <a:fontRef idx="minor">
+                <a:schemeClr val="lt1"/>
+              </a:fontRef>
+            </p:style>
+            <p:txBody>
+              <a:bodyPr wrap="square" rtlCol="0" anchor="ctr">
+                <a:noAutofit/>
+              </a:bodyPr>
+              <a:lstStyle/>
+              <a:p>
+                <a:pPr algn="ctr"/>
+                <a:endParaRPr lang="zh-CN" altLang="en-US" dirty="0"/>
+              </a:p>
+            </p:txBody>
+          </p:sp>
+          <p:sp>
+            <p:nvSpPr>
+              <p:cNvPr id="58" name="任意多边形: 形状 57">
+                <a:extLst>
+                  <a:ext uri="{FF2B5EF4-FFF2-40B4-BE49-F238E27FC236}">
+                    <a16:creationId xmlns:a16="http://schemas.microsoft.com/office/drawing/2014/main" id="{77488338-64A3-1024-DFCB-AD4510318CF4}"/>
+                  </a:ext>
+                </a:extLst>
+              </p:cNvPr>
+              <p:cNvSpPr/>
+              <p:nvPr/>
+            </p:nvSpPr>
+            <p:spPr>
+              <a:xfrm rot="10800000">
+                <a:off x="3737774" y="5432442"/>
+                <a:ext cx="777782" cy="340027"/>
+              </a:xfrm>
+              <a:custGeom>
+                <a:avLst/>
+                <a:gdLst>
+                  <a:gd name="connsiteX0" fmla="*/ 2388 w 777782"/>
+                  <a:gd name="connsiteY0" fmla="*/ 0 h 340027"/>
+                  <a:gd name="connsiteX1" fmla="*/ 775394 w 777782"/>
+                  <a:gd name="connsiteY1" fmla="*/ 0 h 340027"/>
+                  <a:gd name="connsiteX2" fmla="*/ 777782 w 777782"/>
+                  <a:gd name="connsiteY2" fmla="*/ 4776 h 340027"/>
+                  <a:gd name="connsiteX3" fmla="*/ 610157 w 777782"/>
+                  <a:gd name="connsiteY3" fmla="*/ 340027 h 340027"/>
+                  <a:gd name="connsiteX4" fmla="*/ 167626 w 777782"/>
+                  <a:gd name="connsiteY4" fmla="*/ 340027 h 340027"/>
+                  <a:gd name="connsiteX5" fmla="*/ 0 w 777782"/>
+                  <a:gd name="connsiteY5" fmla="*/ 4776 h 340027"/>
+                </a:gdLst>
+                <a:ahLst/>
+                <a:cxnLst>
+                  <a:cxn ang="0">
+                    <a:pos x="connsiteX0" y="connsiteY0"/>
+                  </a:cxn>
+                  <a:cxn ang="0">
+                    <a:pos x="connsiteX1" y="connsiteY1"/>
+                  </a:cxn>
+                  <a:cxn ang="0">
+                    <a:pos x="connsiteX2" y="connsiteY2"/>
+                  </a:cxn>
+                  <a:cxn ang="0">
+                    <a:pos x="connsiteX3" y="connsiteY3"/>
+                  </a:cxn>
+                  <a:cxn ang="0">
+                    <a:pos x="connsiteX4" y="connsiteY4"/>
+                  </a:cxn>
+                  <a:cxn ang="0">
+                    <a:pos x="connsiteX5" y="connsiteY5"/>
+                  </a:cxn>
+                </a:cxnLst>
+                <a:rect l="l" t="t" r="r" b="b"/>
+                <a:pathLst>
+                  <a:path w="777782" h="340027">
+                    <a:moveTo>
+                      <a:pt x="2388" y="0"/>
+                    </a:moveTo>
+                    <a:lnTo>
+                      <a:pt x="775394" y="0"/>
+                    </a:lnTo>
+                    <a:lnTo>
+                      <a:pt x="777782" y="4776"/>
+                    </a:lnTo>
+                    <a:lnTo>
+                      <a:pt x="610157" y="340027"/>
+                    </a:lnTo>
+                    <a:lnTo>
+                      <a:pt x="167626" y="340027"/>
+                    </a:lnTo>
+                    <a:lnTo>
+                      <a:pt x="0" y="4776"/>
+                    </a:lnTo>
+                    <a:close/>
+                  </a:path>
+                </a:pathLst>
+              </a:custGeom>
+              <a:noFill/>
+              <a:ln>
+                <a:solidFill>
+                  <a:schemeClr val="bg1">
+                    <a:lumMod val="65000"/>
+                  </a:schemeClr>
+                </a:solidFill>
+              </a:ln>
+            </p:spPr>
+            <p:style>
+              <a:lnRef idx="2">
+                <a:schemeClr val="accent1">
+                  <a:shade val="15000"/>
+                </a:schemeClr>
+              </a:lnRef>
+              <a:fillRef idx="1">
+                <a:schemeClr val="accent1"/>
+              </a:fillRef>
+              <a:effectRef idx="0">
+                <a:schemeClr val="accent1"/>
+              </a:effectRef>
+              <a:fontRef idx="minor">
+                <a:schemeClr val="lt1"/>
+              </a:fontRef>
+            </p:style>
+            <p:txBody>
+              <a:bodyPr wrap="square" rtlCol="0" anchor="ctr">
+                <a:noAutofit/>
+              </a:bodyPr>
+              <a:lstStyle/>
+              <a:p>
+                <a:pPr algn="ctr"/>
+                <a:endParaRPr lang="zh-CN" altLang="en-US" dirty="0"/>
+              </a:p>
+            </p:txBody>
+          </p:sp>
+        </p:grpSp>
+        <p:cxnSp>
+          <p:nvCxnSpPr>
+            <p:cNvPr id="6" name="直接连接符 5">
+              <a:extLst>
+                <a:ext uri="{FF2B5EF4-FFF2-40B4-BE49-F238E27FC236}">
+                  <a16:creationId xmlns:a16="http://schemas.microsoft.com/office/drawing/2014/main" id="{5EDA3615-2BB9-A7F2-4E58-650FD6B486D5}"/>
+                </a:ext>
+              </a:extLst>
+            </p:cNvPr>
+            <p:cNvCxnSpPr>
+              <a:cxnSpLocks/>
+            </p:cNvCxnSpPr>
+            <p:nvPr/>
+          </p:nvCxnSpPr>
+          <p:spPr>
+            <a:xfrm flipH="1">
+              <a:off x="3724891" y="1076325"/>
+              <a:ext cx="4450734" cy="2978"/>
+            </a:xfrm>
+            <a:prstGeom prst="line">
+              <a:avLst/>
+            </a:prstGeom>
+            <a:ln w="38100">
+              <a:solidFill>
+                <a:schemeClr val="bg1"/>
+              </a:solidFill>
+            </a:ln>
+          </p:spPr>
+          <p:style>
+            <a:lnRef idx="1">
+              <a:schemeClr val="accent1"/>
+            </a:lnRef>
+            <a:fillRef idx="0">
+              <a:schemeClr val="accent1"/>
+            </a:fillRef>
+            <a:effectRef idx="0">
+              <a:schemeClr val="accent1"/>
+            </a:effectRef>
+            <a:fontRef idx="minor">
+              <a:schemeClr val="tx1"/>
+            </a:fontRef>
+          </p:style>
+        </p:cxnSp>
+        <p:cxnSp>
+          <p:nvCxnSpPr>
+            <p:cNvPr id="7" name="直接连接符 6">
+              <a:extLst>
+                <a:ext uri="{FF2B5EF4-FFF2-40B4-BE49-F238E27FC236}">
+                  <a16:creationId xmlns:a16="http://schemas.microsoft.com/office/drawing/2014/main" id="{BCF868D2-5473-6FA8-5F4D-BAB424F33B26}"/>
+                </a:ext>
+              </a:extLst>
+            </p:cNvPr>
+            <p:cNvCxnSpPr>
+              <a:cxnSpLocks/>
+            </p:cNvCxnSpPr>
+            <p:nvPr/>
+          </p:nvCxnSpPr>
+          <p:spPr>
+            <a:xfrm flipH="1">
+              <a:off x="3732028" y="5772784"/>
+              <a:ext cx="4450734" cy="2978"/>
+            </a:xfrm>
+            <a:prstGeom prst="line">
+              <a:avLst/>
+            </a:prstGeom>
+            <a:ln w="28575">
+              <a:solidFill>
+                <a:schemeClr val="bg1"/>
+              </a:solidFill>
+            </a:ln>
+          </p:spPr>
+          <p:style>
+            <a:lnRef idx="1">
+              <a:schemeClr val="accent1"/>
+            </a:lnRef>
+            <a:fillRef idx="0">
+              <a:schemeClr val="accent1"/>
+            </a:fillRef>
+            <a:effectRef idx="0">
+              <a:schemeClr val="accent1"/>
+            </a:effectRef>
+            <a:fontRef idx="minor">
+              <a:schemeClr val="tx1"/>
+            </a:fontRef>
+          </p:style>
+        </p:cxnSp>
+      </p:grpSp>
+    </p:spTree>
+    <p:extLst>
+      <p:ext uri="{BB962C8B-B14F-4D97-AF65-F5344CB8AC3E}">
+        <p14:creationId xmlns:p14="http://schemas.microsoft.com/office/powerpoint/2010/main" val="3188462357"/>
       </p:ext>
     </p:extLst>
   </p:cSld>
